--- a/details.pptx
+++ b/details.pptx
@@ -20,6 +20,15 @@
     <p:sldId id="268" r:id="rId14"/>
     <p:sldId id="269" r:id="rId15"/>
     <p:sldId id="270" r:id="rId16"/>
+    <p:sldId id="271" r:id="rId17"/>
+    <p:sldId id="272" r:id="rId18"/>
+    <p:sldId id="273" r:id="rId19"/>
+    <p:sldId id="274" r:id="rId20"/>
+    <p:sldId id="275" r:id="rId21"/>
+    <p:sldId id="276" r:id="rId22"/>
+    <p:sldId id="277" r:id="rId23"/>
+    <p:sldId id="278" r:id="rId24"/>
+    <p:sldId id="279" r:id="rId25"/>
   </p:sldIdLst>
   <p:sldSz cx="12192000" cy="6858000"/>
   <p:notesSz cx="6858000" cy="9144000"/>
@@ -255,7 +264,7 @@
           <a:p>
             <a:fld id="{D997B5FA-0921-464F-AAE1-844C04324D75}" type="datetimeFigureOut">
               <a:rPr lang="zh-CN" altLang="en-US" smtClean="0"/>
-              <a:t>2021/4/6</a:t>
+              <a:t>2021/4/8</a:t>
             </a:fld>
             <a:endParaRPr lang="zh-CN" altLang="en-US"/>
           </a:p>
@@ -423,7 +432,7 @@
           <a:p>
             <a:fld id="{D997B5FA-0921-464F-AAE1-844C04324D75}" type="datetimeFigureOut">
               <a:rPr lang="zh-CN" altLang="en-US" smtClean="0"/>
-              <a:t>2021/4/6</a:t>
+              <a:t>2021/4/8</a:t>
             </a:fld>
             <a:endParaRPr lang="zh-CN" altLang="en-US"/>
           </a:p>
@@ -601,7 +610,7 @@
           <a:p>
             <a:fld id="{D997B5FA-0921-464F-AAE1-844C04324D75}" type="datetimeFigureOut">
               <a:rPr lang="zh-CN" altLang="en-US" smtClean="0"/>
-              <a:t>2021/4/6</a:t>
+              <a:t>2021/4/8</a:t>
             </a:fld>
             <a:endParaRPr lang="zh-CN" altLang="en-US"/>
           </a:p>
@@ -769,7 +778,7 @@
           <a:p>
             <a:fld id="{D997B5FA-0921-464F-AAE1-844C04324D75}" type="datetimeFigureOut">
               <a:rPr lang="zh-CN" altLang="en-US" smtClean="0"/>
-              <a:t>2021/4/6</a:t>
+              <a:t>2021/4/8</a:t>
             </a:fld>
             <a:endParaRPr lang="zh-CN" altLang="en-US"/>
           </a:p>
@@ -1014,7 +1023,7 @@
           <a:p>
             <a:fld id="{D997B5FA-0921-464F-AAE1-844C04324D75}" type="datetimeFigureOut">
               <a:rPr lang="zh-CN" altLang="en-US" smtClean="0"/>
-              <a:t>2021/4/6</a:t>
+              <a:t>2021/4/8</a:t>
             </a:fld>
             <a:endParaRPr lang="zh-CN" altLang="en-US"/>
           </a:p>
@@ -1243,7 +1252,7 @@
           <a:p>
             <a:fld id="{D997B5FA-0921-464F-AAE1-844C04324D75}" type="datetimeFigureOut">
               <a:rPr lang="zh-CN" altLang="en-US" smtClean="0"/>
-              <a:t>2021/4/6</a:t>
+              <a:t>2021/4/8</a:t>
             </a:fld>
             <a:endParaRPr lang="zh-CN" altLang="en-US"/>
           </a:p>
@@ -1607,7 +1616,7 @@
           <a:p>
             <a:fld id="{D997B5FA-0921-464F-AAE1-844C04324D75}" type="datetimeFigureOut">
               <a:rPr lang="zh-CN" altLang="en-US" smtClean="0"/>
-              <a:t>2021/4/6</a:t>
+              <a:t>2021/4/8</a:t>
             </a:fld>
             <a:endParaRPr lang="zh-CN" altLang="en-US"/>
           </a:p>
@@ -1724,7 +1733,7 @@
           <a:p>
             <a:fld id="{D997B5FA-0921-464F-AAE1-844C04324D75}" type="datetimeFigureOut">
               <a:rPr lang="zh-CN" altLang="en-US" smtClean="0"/>
-              <a:t>2021/4/6</a:t>
+              <a:t>2021/4/8</a:t>
             </a:fld>
             <a:endParaRPr lang="zh-CN" altLang="en-US"/>
           </a:p>
@@ -1819,7 +1828,7 @@
           <a:p>
             <a:fld id="{D997B5FA-0921-464F-AAE1-844C04324D75}" type="datetimeFigureOut">
               <a:rPr lang="zh-CN" altLang="en-US" smtClean="0"/>
-              <a:t>2021/4/6</a:t>
+              <a:t>2021/4/8</a:t>
             </a:fld>
             <a:endParaRPr lang="zh-CN" altLang="en-US"/>
           </a:p>
@@ -2094,7 +2103,7 @@
           <a:p>
             <a:fld id="{D997B5FA-0921-464F-AAE1-844C04324D75}" type="datetimeFigureOut">
               <a:rPr lang="zh-CN" altLang="en-US" smtClean="0"/>
-              <a:t>2021/4/6</a:t>
+              <a:t>2021/4/8</a:t>
             </a:fld>
             <a:endParaRPr lang="zh-CN" altLang="en-US"/>
           </a:p>
@@ -2346,7 +2355,7 @@
           <a:p>
             <a:fld id="{D997B5FA-0921-464F-AAE1-844C04324D75}" type="datetimeFigureOut">
               <a:rPr lang="zh-CN" altLang="en-US" smtClean="0"/>
-              <a:t>2021/4/6</a:t>
+              <a:t>2021/4/8</a:t>
             </a:fld>
             <a:endParaRPr lang="zh-CN" altLang="en-US"/>
           </a:p>
@@ -2557,7 +2566,7 @@
           <a:p>
             <a:fld id="{D997B5FA-0921-464F-AAE1-844C04324D75}" type="datetimeFigureOut">
               <a:rPr lang="zh-CN" altLang="en-US" smtClean="0"/>
-              <a:t>2021/4/6</a:t>
+              <a:t>2021/4/8</a:t>
             </a:fld>
             <a:endParaRPr lang="zh-CN" altLang="en-US"/>
           </a:p>
@@ -3445,6 +3454,286 @@
 </p:sld>
 </file>
 
+<file path=ppt/slides/slide16.xml><?xml version="1.0" encoding="utf-8"?>
+<p:sld xmlns:a="http://schemas.openxmlformats.org/drawingml/2006/main" xmlns:r="http://schemas.openxmlformats.org/officeDocument/2006/relationships" xmlns:p="http://schemas.openxmlformats.org/presentationml/2006/main">
+  <p:cSld>
+    <p:spTree>
+      <p:nvGrpSpPr>
+        <p:cNvPr id="1" name=""/>
+        <p:cNvGrpSpPr/>
+        <p:nvPr/>
+      </p:nvGrpSpPr>
+      <p:grpSpPr>
+        <a:xfrm>
+          <a:off x="0" y="0"/>
+          <a:ext cx="0" cy="0"/>
+          <a:chOff x="0" y="0"/>
+          <a:chExt cx="0" cy="0"/>
+        </a:xfrm>
+      </p:grpSpPr>
+    </p:spTree>
+    <p:extLst>
+      <p:ext uri="{BB962C8B-B14F-4D97-AF65-F5344CB8AC3E}">
+        <p14:creationId xmlns:p14="http://schemas.microsoft.com/office/powerpoint/2010/main" val="4027683813"/>
+      </p:ext>
+    </p:extLst>
+  </p:cSld>
+  <p:clrMapOvr>
+    <a:masterClrMapping/>
+  </p:clrMapOvr>
+</p:sld>
+</file>
+
+<file path=ppt/slides/slide17.xml><?xml version="1.0" encoding="utf-8"?>
+<p:sld xmlns:a="http://schemas.openxmlformats.org/drawingml/2006/main" xmlns:r="http://schemas.openxmlformats.org/officeDocument/2006/relationships" xmlns:p="http://schemas.openxmlformats.org/presentationml/2006/main">
+  <p:cSld>
+    <p:spTree>
+      <p:nvGrpSpPr>
+        <p:cNvPr id="1" name=""/>
+        <p:cNvGrpSpPr/>
+        <p:nvPr/>
+      </p:nvGrpSpPr>
+      <p:grpSpPr>
+        <a:xfrm>
+          <a:off x="0" y="0"/>
+          <a:ext cx="0" cy="0"/>
+          <a:chOff x="0" y="0"/>
+          <a:chExt cx="0" cy="0"/>
+        </a:xfrm>
+      </p:grpSpPr>
+      <p:pic>
+        <p:nvPicPr>
+          <p:cNvPr id="2" name="图片 1">
+            <a:extLst>
+              <a:ext uri="{FF2B5EF4-FFF2-40B4-BE49-F238E27FC236}">
+                <a16:creationId xmlns:a16="http://schemas.microsoft.com/office/drawing/2014/main" id="{8F661312-D6DF-4992-9704-70BE2641EEB6}"/>
+              </a:ext>
+            </a:extLst>
+          </p:cNvPr>
+          <p:cNvPicPr>
+            <a:picLocks noChangeAspect="1"/>
+          </p:cNvPicPr>
+          <p:nvPr/>
+        </p:nvPicPr>
+        <p:blipFill>
+          <a:blip r:embed="rId2"/>
+          <a:stretch>
+            <a:fillRect/>
+          </a:stretch>
+        </p:blipFill>
+        <p:spPr>
+          <a:xfrm>
+            <a:off x="532660" y="444500"/>
+            <a:ext cx="11659339" cy="6254750"/>
+          </a:xfrm>
+          <a:prstGeom prst="rect">
+            <a:avLst/>
+          </a:prstGeom>
+        </p:spPr>
+      </p:pic>
+      <p:sp>
+        <p:nvSpPr>
+          <p:cNvPr id="4" name="文本框 3">
+            <a:extLst>
+              <a:ext uri="{FF2B5EF4-FFF2-40B4-BE49-F238E27FC236}">
+                <a16:creationId xmlns:a16="http://schemas.microsoft.com/office/drawing/2014/main" id="{810C595E-B679-4D2E-B595-FAFD9A9DCFE9}"/>
+              </a:ext>
+            </a:extLst>
+          </p:cNvPr>
+          <p:cNvSpPr txBox="1"/>
+          <p:nvPr/>
+        </p:nvSpPr>
+        <p:spPr>
+          <a:xfrm>
+            <a:off x="0" y="0"/>
+            <a:ext cx="6094520" cy="369332"/>
+          </a:xfrm>
+          <a:prstGeom prst="rect">
+            <a:avLst/>
+          </a:prstGeom>
+          <a:noFill/>
+        </p:spPr>
+        <p:txBody>
+          <a:bodyPr wrap="square">
+            <a:spAutoFit/>
+          </a:bodyPr>
+          <a:lstStyle/>
+          <a:p>
+            <a:pPr algn="l"/>
+            <a:r>
+              <a:rPr lang="en-US" altLang="zh-CN" b="0" i="0" u="none" strike="noStrike" dirty="0">
+                <a:solidFill>
+                  <a:srgbClr val="262626"/>
+                </a:solidFill>
+                <a:effectLst/>
+                <a:latin typeface="-apple-system"/>
+                <a:hlinkClick r:id="rId3"/>
+              </a:rPr>
+              <a:t>17. Letter Combinations of a Phone Number</a:t>
+            </a:r>
+            <a:endParaRPr lang="en-US" altLang="zh-CN" b="0" i="0" dirty="0">
+              <a:solidFill>
+                <a:srgbClr val="262626"/>
+              </a:solidFill>
+              <a:effectLst/>
+              <a:latin typeface="-apple-system"/>
+            </a:endParaRPr>
+          </a:p>
+        </p:txBody>
+      </p:sp>
+    </p:spTree>
+    <p:extLst>
+      <p:ext uri="{BB962C8B-B14F-4D97-AF65-F5344CB8AC3E}">
+        <p14:creationId xmlns:p14="http://schemas.microsoft.com/office/powerpoint/2010/main" val="2724737621"/>
+      </p:ext>
+    </p:extLst>
+  </p:cSld>
+  <p:clrMapOvr>
+    <a:masterClrMapping/>
+  </p:clrMapOvr>
+</p:sld>
+</file>
+
+<file path=ppt/slides/slide18.xml><?xml version="1.0" encoding="utf-8"?>
+<p:sld xmlns:a="http://schemas.openxmlformats.org/drawingml/2006/main" xmlns:r="http://schemas.openxmlformats.org/officeDocument/2006/relationships" xmlns:p="http://schemas.openxmlformats.org/presentationml/2006/main">
+  <p:cSld>
+    <p:spTree>
+      <p:nvGrpSpPr>
+        <p:cNvPr id="1" name=""/>
+        <p:cNvGrpSpPr/>
+        <p:nvPr/>
+      </p:nvGrpSpPr>
+      <p:grpSpPr>
+        <a:xfrm>
+          <a:off x="0" y="0"/>
+          <a:ext cx="0" cy="0"/>
+          <a:chOff x="0" y="0"/>
+          <a:chExt cx="0" cy="0"/>
+        </a:xfrm>
+      </p:grpSpPr>
+    </p:spTree>
+    <p:extLst>
+      <p:ext uri="{BB962C8B-B14F-4D97-AF65-F5344CB8AC3E}">
+        <p14:creationId xmlns:p14="http://schemas.microsoft.com/office/powerpoint/2010/main" val="484300567"/>
+      </p:ext>
+    </p:extLst>
+  </p:cSld>
+  <p:clrMapOvr>
+    <a:masterClrMapping/>
+  </p:clrMapOvr>
+</p:sld>
+</file>
+
+<file path=ppt/slides/slide19.xml><?xml version="1.0" encoding="utf-8"?>
+<p:sld xmlns:a="http://schemas.openxmlformats.org/drawingml/2006/main" xmlns:r="http://schemas.openxmlformats.org/officeDocument/2006/relationships" xmlns:p="http://schemas.openxmlformats.org/presentationml/2006/main">
+  <p:cSld>
+    <p:spTree>
+      <p:nvGrpSpPr>
+        <p:cNvPr id="1" name=""/>
+        <p:cNvGrpSpPr/>
+        <p:nvPr/>
+      </p:nvGrpSpPr>
+      <p:grpSpPr>
+        <a:xfrm>
+          <a:off x="0" y="0"/>
+          <a:ext cx="0" cy="0"/>
+          <a:chOff x="0" y="0"/>
+          <a:chExt cx="0" cy="0"/>
+        </a:xfrm>
+      </p:grpSpPr>
+      <p:pic>
+        <p:nvPicPr>
+          <p:cNvPr id="2" name="图片 1">
+            <a:extLst>
+              <a:ext uri="{FF2B5EF4-FFF2-40B4-BE49-F238E27FC236}">
+                <a16:creationId xmlns:a16="http://schemas.microsoft.com/office/drawing/2014/main" id="{1896A263-88E0-44CE-B057-3DE1BB699D7F}"/>
+              </a:ext>
+            </a:extLst>
+          </p:cNvPr>
+          <p:cNvPicPr>
+            <a:picLocks noChangeAspect="1"/>
+          </p:cNvPicPr>
+          <p:nvPr/>
+        </p:nvPicPr>
+        <p:blipFill>
+          <a:blip r:embed="rId2"/>
+          <a:stretch>
+            <a:fillRect/>
+          </a:stretch>
+        </p:blipFill>
+        <p:spPr>
+          <a:xfrm>
+            <a:off x="479394" y="415924"/>
+            <a:ext cx="11712606" cy="6283325"/>
+          </a:xfrm>
+          <a:prstGeom prst="rect">
+            <a:avLst/>
+          </a:prstGeom>
+        </p:spPr>
+      </p:pic>
+      <p:sp>
+        <p:nvSpPr>
+          <p:cNvPr id="3" name="文本框 2">
+            <a:extLst>
+              <a:ext uri="{FF2B5EF4-FFF2-40B4-BE49-F238E27FC236}">
+                <a16:creationId xmlns:a16="http://schemas.microsoft.com/office/drawing/2014/main" id="{081F50BD-D5D9-4F03-A174-FF38DD3F761F}"/>
+              </a:ext>
+            </a:extLst>
+          </p:cNvPr>
+          <p:cNvSpPr txBox="1"/>
+          <p:nvPr/>
+        </p:nvSpPr>
+        <p:spPr>
+          <a:xfrm>
+            <a:off x="1480" y="46592"/>
+            <a:ext cx="6094520" cy="369332"/>
+          </a:xfrm>
+          <a:prstGeom prst="rect">
+            <a:avLst/>
+          </a:prstGeom>
+          <a:noFill/>
+        </p:spPr>
+        <p:txBody>
+          <a:bodyPr wrap="square">
+            <a:spAutoFit/>
+          </a:bodyPr>
+          <a:lstStyle/>
+          <a:p>
+            <a:pPr algn="l"/>
+            <a:r>
+              <a:rPr lang="en-US" altLang="zh-CN" b="0" i="0" u="none" strike="noStrike" dirty="0">
+                <a:solidFill>
+                  <a:srgbClr val="262626"/>
+                </a:solidFill>
+                <a:effectLst/>
+                <a:latin typeface="-apple-system"/>
+                <a:hlinkClick r:id="rId3"/>
+              </a:rPr>
+              <a:t>19. Remove Nth Node From End of List</a:t>
+            </a:r>
+            <a:endParaRPr lang="en-US" altLang="zh-CN" b="0" i="0" dirty="0">
+              <a:solidFill>
+                <a:srgbClr val="262626"/>
+              </a:solidFill>
+              <a:effectLst/>
+              <a:latin typeface="-apple-system"/>
+            </a:endParaRPr>
+          </a:p>
+        </p:txBody>
+      </p:sp>
+    </p:spTree>
+    <p:extLst>
+      <p:ext uri="{BB962C8B-B14F-4D97-AF65-F5344CB8AC3E}">
+        <p14:creationId xmlns:p14="http://schemas.microsoft.com/office/powerpoint/2010/main" val="3459059071"/>
+      </p:ext>
+    </p:extLst>
+  </p:cSld>
+  <p:clrMapOvr>
+    <a:masterClrMapping/>
+  </p:clrMapOvr>
+</p:sld>
+</file>
+
 <file path=ppt/slides/slide2.xml><?xml version="1.0" encoding="utf-8"?>
 <p:sld xmlns:a="http://schemas.openxmlformats.org/drawingml/2006/main" xmlns:r="http://schemas.openxmlformats.org/officeDocument/2006/relationships" xmlns:p="http://schemas.openxmlformats.org/presentationml/2006/main">
   <p:cSld>
@@ -3546,6 +3835,388 @@
     <p:extLst>
       <p:ext uri="{BB962C8B-B14F-4D97-AF65-F5344CB8AC3E}">
         <p14:creationId xmlns:p14="http://schemas.microsoft.com/office/powerpoint/2010/main" val="3360459859"/>
+      </p:ext>
+    </p:extLst>
+  </p:cSld>
+  <p:clrMapOvr>
+    <a:masterClrMapping/>
+  </p:clrMapOvr>
+</p:sld>
+</file>
+
+<file path=ppt/slides/slide20.xml><?xml version="1.0" encoding="utf-8"?>
+<p:sld xmlns:a="http://schemas.openxmlformats.org/drawingml/2006/main" xmlns:r="http://schemas.openxmlformats.org/officeDocument/2006/relationships" xmlns:p="http://schemas.openxmlformats.org/presentationml/2006/main">
+  <p:cSld>
+    <p:spTree>
+      <p:nvGrpSpPr>
+        <p:cNvPr id="1" name=""/>
+        <p:cNvGrpSpPr/>
+        <p:nvPr/>
+      </p:nvGrpSpPr>
+      <p:grpSpPr>
+        <a:xfrm>
+          <a:off x="0" y="0"/>
+          <a:ext cx="0" cy="0"/>
+          <a:chOff x="0" y="0"/>
+          <a:chExt cx="0" cy="0"/>
+        </a:xfrm>
+      </p:grpSpPr>
+      <p:pic>
+        <p:nvPicPr>
+          <p:cNvPr id="2" name="图片 1">
+            <a:extLst>
+              <a:ext uri="{FF2B5EF4-FFF2-40B4-BE49-F238E27FC236}">
+                <a16:creationId xmlns:a16="http://schemas.microsoft.com/office/drawing/2014/main" id="{FE9D8953-1583-446B-886C-CE3D622BC8A6}"/>
+              </a:ext>
+            </a:extLst>
+          </p:cNvPr>
+          <p:cNvPicPr>
+            <a:picLocks noChangeAspect="1"/>
+          </p:cNvPicPr>
+          <p:nvPr/>
+        </p:nvPicPr>
+        <p:blipFill>
+          <a:blip r:embed="rId2"/>
+          <a:stretch>
+            <a:fillRect/>
+          </a:stretch>
+        </p:blipFill>
+        <p:spPr>
+          <a:xfrm>
+            <a:off x="577048" y="468312"/>
+            <a:ext cx="11614951" cy="6230937"/>
+          </a:xfrm>
+          <a:prstGeom prst="rect">
+            <a:avLst/>
+          </a:prstGeom>
+        </p:spPr>
+      </p:pic>
+      <p:sp>
+        <p:nvSpPr>
+          <p:cNvPr id="4" name="文本框 3">
+            <a:extLst>
+              <a:ext uri="{FF2B5EF4-FFF2-40B4-BE49-F238E27FC236}">
+                <a16:creationId xmlns:a16="http://schemas.microsoft.com/office/drawing/2014/main" id="{D9693B51-3090-4FEB-B9E6-26C6A4D1B72F}"/>
+              </a:ext>
+            </a:extLst>
+          </p:cNvPr>
+          <p:cNvSpPr txBox="1"/>
+          <p:nvPr/>
+        </p:nvSpPr>
+        <p:spPr>
+          <a:xfrm>
+            <a:off x="0" y="98980"/>
+            <a:ext cx="6094520" cy="369332"/>
+          </a:xfrm>
+          <a:prstGeom prst="rect">
+            <a:avLst/>
+          </a:prstGeom>
+          <a:noFill/>
+        </p:spPr>
+        <p:txBody>
+          <a:bodyPr wrap="square">
+            <a:spAutoFit/>
+          </a:bodyPr>
+          <a:lstStyle/>
+          <a:p>
+            <a:pPr algn="l"/>
+            <a:r>
+              <a:rPr lang="en-US" altLang="zh-CN" b="0" i="0" u="none" strike="noStrike" dirty="0">
+                <a:solidFill>
+                  <a:srgbClr val="262626"/>
+                </a:solidFill>
+                <a:effectLst/>
+                <a:latin typeface="-apple-system"/>
+                <a:hlinkClick r:id="rId3"/>
+              </a:rPr>
+              <a:t>20. Valid Parentheses</a:t>
+            </a:r>
+            <a:endParaRPr lang="en-US" altLang="zh-CN" b="0" i="0" dirty="0">
+              <a:solidFill>
+                <a:srgbClr val="262626"/>
+              </a:solidFill>
+              <a:effectLst/>
+              <a:latin typeface="-apple-system"/>
+            </a:endParaRPr>
+          </a:p>
+        </p:txBody>
+      </p:sp>
+    </p:spTree>
+    <p:extLst>
+      <p:ext uri="{BB962C8B-B14F-4D97-AF65-F5344CB8AC3E}">
+        <p14:creationId xmlns:p14="http://schemas.microsoft.com/office/powerpoint/2010/main" val="2885886425"/>
+      </p:ext>
+    </p:extLst>
+  </p:cSld>
+  <p:clrMapOvr>
+    <a:masterClrMapping/>
+  </p:clrMapOvr>
+</p:sld>
+</file>
+
+<file path=ppt/slides/slide21.xml><?xml version="1.0" encoding="utf-8"?>
+<p:sld xmlns:a="http://schemas.openxmlformats.org/drawingml/2006/main" xmlns:r="http://schemas.openxmlformats.org/officeDocument/2006/relationships" xmlns:p="http://schemas.openxmlformats.org/presentationml/2006/main">
+  <p:cSld>
+    <p:spTree>
+      <p:nvGrpSpPr>
+        <p:cNvPr id="1" name=""/>
+        <p:cNvGrpSpPr/>
+        <p:nvPr/>
+      </p:nvGrpSpPr>
+      <p:grpSpPr>
+        <a:xfrm>
+          <a:off x="0" y="0"/>
+          <a:ext cx="0" cy="0"/>
+          <a:chOff x="0" y="0"/>
+          <a:chExt cx="0" cy="0"/>
+        </a:xfrm>
+      </p:grpSpPr>
+      <p:pic>
+        <p:nvPicPr>
+          <p:cNvPr id="2" name="图片 1">
+            <a:extLst>
+              <a:ext uri="{FF2B5EF4-FFF2-40B4-BE49-F238E27FC236}">
+                <a16:creationId xmlns:a16="http://schemas.microsoft.com/office/drawing/2014/main" id="{4E288D28-FF35-4335-B102-CDC2F9A45227}"/>
+              </a:ext>
+            </a:extLst>
+          </p:cNvPr>
+          <p:cNvPicPr>
+            <a:picLocks noChangeAspect="1"/>
+          </p:cNvPicPr>
+          <p:nvPr/>
+        </p:nvPicPr>
+        <p:blipFill>
+          <a:blip r:embed="rId2"/>
+          <a:stretch>
+            <a:fillRect/>
+          </a:stretch>
+        </p:blipFill>
+        <p:spPr>
+          <a:xfrm>
+            <a:off x="559293" y="458787"/>
+            <a:ext cx="11632706" cy="6240462"/>
+          </a:xfrm>
+          <a:prstGeom prst="rect">
+            <a:avLst/>
+          </a:prstGeom>
+        </p:spPr>
+      </p:pic>
+      <p:sp>
+        <p:nvSpPr>
+          <p:cNvPr id="4" name="文本框 3">
+            <a:extLst>
+              <a:ext uri="{FF2B5EF4-FFF2-40B4-BE49-F238E27FC236}">
+                <a16:creationId xmlns:a16="http://schemas.microsoft.com/office/drawing/2014/main" id="{EF377BE3-38AA-458F-BFBE-620D47CD43CD}"/>
+              </a:ext>
+            </a:extLst>
+          </p:cNvPr>
+          <p:cNvSpPr txBox="1"/>
+          <p:nvPr/>
+        </p:nvSpPr>
+        <p:spPr>
+          <a:xfrm>
+            <a:off x="0" y="89455"/>
+            <a:ext cx="6094520" cy="369332"/>
+          </a:xfrm>
+          <a:prstGeom prst="rect">
+            <a:avLst/>
+          </a:prstGeom>
+          <a:noFill/>
+        </p:spPr>
+        <p:txBody>
+          <a:bodyPr wrap="square">
+            <a:spAutoFit/>
+          </a:bodyPr>
+          <a:lstStyle/>
+          <a:p>
+            <a:r>
+              <a:rPr lang="en-US" altLang="zh-CN" sz="1800" dirty="0">
+                <a:solidFill>
+                  <a:srgbClr val="000000"/>
+                </a:solidFill>
+                <a:latin typeface="新宋体" panose="02010609030101010101" pitchFamily="49" charset="-122"/>
+                <a:ea typeface="新宋体" panose="02010609030101010101" pitchFamily="49" charset="-122"/>
+              </a:rPr>
+              <a:t>21. Merge Two Sorted Lists</a:t>
+            </a:r>
+            <a:endParaRPr lang="zh-CN" altLang="en-US" dirty="0"/>
+          </a:p>
+        </p:txBody>
+      </p:sp>
+    </p:spTree>
+    <p:extLst>
+      <p:ext uri="{BB962C8B-B14F-4D97-AF65-F5344CB8AC3E}">
+        <p14:creationId xmlns:p14="http://schemas.microsoft.com/office/powerpoint/2010/main" val="2182397979"/>
+      </p:ext>
+    </p:extLst>
+  </p:cSld>
+  <p:clrMapOvr>
+    <a:masterClrMapping/>
+  </p:clrMapOvr>
+</p:sld>
+</file>
+
+<file path=ppt/slides/slide22.xml><?xml version="1.0" encoding="utf-8"?>
+<p:sld xmlns:a="http://schemas.openxmlformats.org/drawingml/2006/main" xmlns:r="http://schemas.openxmlformats.org/officeDocument/2006/relationships" xmlns:p="http://schemas.openxmlformats.org/presentationml/2006/main">
+  <p:cSld>
+    <p:spTree>
+      <p:nvGrpSpPr>
+        <p:cNvPr id="1" name=""/>
+        <p:cNvGrpSpPr/>
+        <p:nvPr/>
+      </p:nvGrpSpPr>
+      <p:grpSpPr>
+        <a:xfrm>
+          <a:off x="0" y="0"/>
+          <a:ext cx="0" cy="0"/>
+          <a:chOff x="0" y="0"/>
+          <a:chExt cx="0" cy="0"/>
+        </a:xfrm>
+      </p:grpSpPr>
+    </p:spTree>
+    <p:extLst>
+      <p:ext uri="{BB962C8B-B14F-4D97-AF65-F5344CB8AC3E}">
+        <p14:creationId xmlns:p14="http://schemas.microsoft.com/office/powerpoint/2010/main" val="2010084927"/>
+      </p:ext>
+    </p:extLst>
+  </p:cSld>
+  <p:clrMapOvr>
+    <a:masterClrMapping/>
+  </p:clrMapOvr>
+</p:sld>
+</file>
+
+<file path=ppt/slides/slide23.xml><?xml version="1.0" encoding="utf-8"?>
+<p:sld xmlns:a="http://schemas.openxmlformats.org/drawingml/2006/main" xmlns:r="http://schemas.openxmlformats.org/officeDocument/2006/relationships" xmlns:p="http://schemas.openxmlformats.org/presentationml/2006/main">
+  <p:cSld>
+    <p:spTree>
+      <p:nvGrpSpPr>
+        <p:cNvPr id="1" name=""/>
+        <p:cNvGrpSpPr/>
+        <p:nvPr/>
+      </p:nvGrpSpPr>
+      <p:grpSpPr>
+        <a:xfrm>
+          <a:off x="0" y="0"/>
+          <a:ext cx="0" cy="0"/>
+          <a:chOff x="0" y="0"/>
+          <a:chExt cx="0" cy="0"/>
+        </a:xfrm>
+      </p:grpSpPr>
+    </p:spTree>
+    <p:extLst>
+      <p:ext uri="{BB962C8B-B14F-4D97-AF65-F5344CB8AC3E}">
+        <p14:creationId xmlns:p14="http://schemas.microsoft.com/office/powerpoint/2010/main" val="234132293"/>
+      </p:ext>
+    </p:extLst>
+  </p:cSld>
+  <p:clrMapOvr>
+    <a:masterClrMapping/>
+  </p:clrMapOvr>
+</p:sld>
+</file>
+
+<file path=ppt/slides/slide24.xml><?xml version="1.0" encoding="utf-8"?>
+<p:sld xmlns:a="http://schemas.openxmlformats.org/drawingml/2006/main" xmlns:r="http://schemas.openxmlformats.org/officeDocument/2006/relationships" xmlns:p="http://schemas.openxmlformats.org/presentationml/2006/main">
+  <p:cSld>
+    <p:spTree>
+      <p:nvGrpSpPr>
+        <p:cNvPr id="1" name=""/>
+        <p:cNvGrpSpPr/>
+        <p:nvPr/>
+      </p:nvGrpSpPr>
+      <p:grpSpPr>
+        <a:xfrm>
+          <a:off x="0" y="0"/>
+          <a:ext cx="0" cy="0"/>
+          <a:chOff x="0" y="0"/>
+          <a:chExt cx="0" cy="0"/>
+        </a:xfrm>
+      </p:grpSpPr>
+      <p:pic>
+        <p:nvPicPr>
+          <p:cNvPr id="2" name="图片 1">
+            <a:extLst>
+              <a:ext uri="{FF2B5EF4-FFF2-40B4-BE49-F238E27FC236}">
+                <a16:creationId xmlns:a16="http://schemas.microsoft.com/office/drawing/2014/main" id="{D235446F-516D-4450-AB6A-3FED7CEC0B22}"/>
+              </a:ext>
+            </a:extLst>
+          </p:cNvPr>
+          <p:cNvPicPr>
+            <a:picLocks noChangeAspect="1"/>
+          </p:cNvPicPr>
+          <p:nvPr/>
+        </p:nvPicPr>
+        <p:blipFill>
+          <a:blip r:embed="rId2"/>
+          <a:stretch>
+            <a:fillRect/>
+          </a:stretch>
+        </p:blipFill>
+        <p:spPr>
+          <a:xfrm>
+            <a:off x="829387" y="603682"/>
+            <a:ext cx="11362613" cy="6095568"/>
+          </a:xfrm>
+          <a:prstGeom prst="rect">
+            <a:avLst/>
+          </a:prstGeom>
+        </p:spPr>
+      </p:pic>
+      <p:sp>
+        <p:nvSpPr>
+          <p:cNvPr id="4" name="文本框 3">
+            <a:extLst>
+              <a:ext uri="{FF2B5EF4-FFF2-40B4-BE49-F238E27FC236}">
+                <a16:creationId xmlns:a16="http://schemas.microsoft.com/office/drawing/2014/main" id="{A9B235C1-EB17-465F-AE71-C15B7E4208A2}"/>
+              </a:ext>
+            </a:extLst>
+          </p:cNvPr>
+          <p:cNvSpPr txBox="1"/>
+          <p:nvPr/>
+        </p:nvSpPr>
+        <p:spPr>
+          <a:xfrm>
+            <a:off x="153139" y="158750"/>
+            <a:ext cx="6094520" cy="369332"/>
+          </a:xfrm>
+          <a:prstGeom prst="rect">
+            <a:avLst/>
+          </a:prstGeom>
+          <a:noFill/>
+        </p:spPr>
+        <p:txBody>
+          <a:bodyPr wrap="square">
+            <a:spAutoFit/>
+          </a:bodyPr>
+          <a:lstStyle/>
+          <a:p>
+            <a:pPr algn="l"/>
+            <a:r>
+              <a:rPr lang="en-US" altLang="zh-CN" b="0" i="0" u="none" strike="noStrike" dirty="0">
+                <a:solidFill>
+                  <a:srgbClr val="262626"/>
+                </a:solidFill>
+                <a:effectLst/>
+                <a:latin typeface="-apple-system"/>
+                <a:hlinkClick r:id="rId3"/>
+              </a:rPr>
+              <a:t>347. Top K Frequent Elements</a:t>
+            </a:r>
+            <a:endParaRPr lang="en-US" altLang="zh-CN" b="0" i="0" dirty="0">
+              <a:solidFill>
+                <a:srgbClr val="262626"/>
+              </a:solidFill>
+              <a:effectLst/>
+              <a:latin typeface="-apple-system"/>
+            </a:endParaRPr>
+          </a:p>
+        </p:txBody>
+      </p:sp>
+    </p:spTree>
+    <p:extLst>
+      <p:ext uri="{BB962C8B-B14F-4D97-AF65-F5344CB8AC3E}">
+        <p14:creationId xmlns:p14="http://schemas.microsoft.com/office/powerpoint/2010/main" val="751397051"/>
       </p:ext>
     </p:extLst>
   </p:cSld>

--- a/details.pptx
+++ b/details.pptx
@@ -28,7 +28,51 @@
     <p:sldId id="276" r:id="rId22"/>
     <p:sldId id="277" r:id="rId23"/>
     <p:sldId id="278" r:id="rId24"/>
-    <p:sldId id="279" r:id="rId25"/>
+    <p:sldId id="280" r:id="rId25"/>
+    <p:sldId id="281" r:id="rId26"/>
+    <p:sldId id="282" r:id="rId27"/>
+    <p:sldId id="283" r:id="rId28"/>
+    <p:sldId id="284" r:id="rId29"/>
+    <p:sldId id="285" r:id="rId30"/>
+    <p:sldId id="286" r:id="rId31"/>
+    <p:sldId id="287" r:id="rId32"/>
+    <p:sldId id="288" r:id="rId33"/>
+    <p:sldId id="289" r:id="rId34"/>
+    <p:sldId id="290" r:id="rId35"/>
+    <p:sldId id="291" r:id="rId36"/>
+    <p:sldId id="292" r:id="rId37"/>
+    <p:sldId id="293" r:id="rId38"/>
+    <p:sldId id="294" r:id="rId39"/>
+    <p:sldId id="295" r:id="rId40"/>
+    <p:sldId id="296" r:id="rId41"/>
+    <p:sldId id="297" r:id="rId42"/>
+    <p:sldId id="299" r:id="rId43"/>
+    <p:sldId id="300" r:id="rId44"/>
+    <p:sldId id="301" r:id="rId45"/>
+    <p:sldId id="302" r:id="rId46"/>
+    <p:sldId id="303" r:id="rId47"/>
+    <p:sldId id="304" r:id="rId48"/>
+    <p:sldId id="305" r:id="rId49"/>
+    <p:sldId id="306" r:id="rId50"/>
+    <p:sldId id="307" r:id="rId51"/>
+    <p:sldId id="308" r:id="rId52"/>
+    <p:sldId id="309" r:id="rId53"/>
+    <p:sldId id="310" r:id="rId54"/>
+    <p:sldId id="311" r:id="rId55"/>
+    <p:sldId id="312" r:id="rId56"/>
+    <p:sldId id="313" r:id="rId57"/>
+    <p:sldId id="314" r:id="rId58"/>
+    <p:sldId id="315" r:id="rId59"/>
+    <p:sldId id="298" r:id="rId60"/>
+    <p:sldId id="316" r:id="rId61"/>
+    <p:sldId id="317" r:id="rId62"/>
+    <p:sldId id="318" r:id="rId63"/>
+    <p:sldId id="319" r:id="rId64"/>
+    <p:sldId id="320" r:id="rId65"/>
+    <p:sldId id="321" r:id="rId66"/>
+    <p:sldId id="322" r:id="rId67"/>
+    <p:sldId id="323" r:id="rId68"/>
+    <p:sldId id="279" r:id="rId69"/>
   </p:sldIdLst>
   <p:sldSz cx="12192000" cy="6858000"/>
   <p:notesSz cx="6858000" cy="9144000"/>
@@ -264,7 +308,7 @@
           <a:p>
             <a:fld id="{D997B5FA-0921-464F-AAE1-844C04324D75}" type="datetimeFigureOut">
               <a:rPr lang="zh-CN" altLang="en-US" smtClean="0"/>
-              <a:t>2021/4/8</a:t>
+              <a:t>2021/4/19</a:t>
             </a:fld>
             <a:endParaRPr lang="zh-CN" altLang="en-US"/>
           </a:p>
@@ -432,7 +476,7 @@
           <a:p>
             <a:fld id="{D997B5FA-0921-464F-AAE1-844C04324D75}" type="datetimeFigureOut">
               <a:rPr lang="zh-CN" altLang="en-US" smtClean="0"/>
-              <a:t>2021/4/8</a:t>
+              <a:t>2021/4/19</a:t>
             </a:fld>
             <a:endParaRPr lang="zh-CN" altLang="en-US"/>
           </a:p>
@@ -610,7 +654,7 @@
           <a:p>
             <a:fld id="{D997B5FA-0921-464F-AAE1-844C04324D75}" type="datetimeFigureOut">
               <a:rPr lang="zh-CN" altLang="en-US" smtClean="0"/>
-              <a:t>2021/4/8</a:t>
+              <a:t>2021/4/19</a:t>
             </a:fld>
             <a:endParaRPr lang="zh-CN" altLang="en-US"/>
           </a:p>
@@ -778,7 +822,7 @@
           <a:p>
             <a:fld id="{D997B5FA-0921-464F-AAE1-844C04324D75}" type="datetimeFigureOut">
               <a:rPr lang="zh-CN" altLang="en-US" smtClean="0"/>
-              <a:t>2021/4/8</a:t>
+              <a:t>2021/4/19</a:t>
             </a:fld>
             <a:endParaRPr lang="zh-CN" altLang="en-US"/>
           </a:p>
@@ -1023,7 +1067,7 @@
           <a:p>
             <a:fld id="{D997B5FA-0921-464F-AAE1-844C04324D75}" type="datetimeFigureOut">
               <a:rPr lang="zh-CN" altLang="en-US" smtClean="0"/>
-              <a:t>2021/4/8</a:t>
+              <a:t>2021/4/19</a:t>
             </a:fld>
             <a:endParaRPr lang="zh-CN" altLang="en-US"/>
           </a:p>
@@ -1252,7 +1296,7 @@
           <a:p>
             <a:fld id="{D997B5FA-0921-464F-AAE1-844C04324D75}" type="datetimeFigureOut">
               <a:rPr lang="zh-CN" altLang="en-US" smtClean="0"/>
-              <a:t>2021/4/8</a:t>
+              <a:t>2021/4/19</a:t>
             </a:fld>
             <a:endParaRPr lang="zh-CN" altLang="en-US"/>
           </a:p>
@@ -1616,7 +1660,7 @@
           <a:p>
             <a:fld id="{D997B5FA-0921-464F-AAE1-844C04324D75}" type="datetimeFigureOut">
               <a:rPr lang="zh-CN" altLang="en-US" smtClean="0"/>
-              <a:t>2021/4/8</a:t>
+              <a:t>2021/4/19</a:t>
             </a:fld>
             <a:endParaRPr lang="zh-CN" altLang="en-US"/>
           </a:p>
@@ -1733,7 +1777,7 @@
           <a:p>
             <a:fld id="{D997B5FA-0921-464F-AAE1-844C04324D75}" type="datetimeFigureOut">
               <a:rPr lang="zh-CN" altLang="en-US" smtClean="0"/>
-              <a:t>2021/4/8</a:t>
+              <a:t>2021/4/19</a:t>
             </a:fld>
             <a:endParaRPr lang="zh-CN" altLang="en-US"/>
           </a:p>
@@ -1828,7 +1872,7 @@
           <a:p>
             <a:fld id="{D997B5FA-0921-464F-AAE1-844C04324D75}" type="datetimeFigureOut">
               <a:rPr lang="zh-CN" altLang="en-US" smtClean="0"/>
-              <a:t>2021/4/8</a:t>
+              <a:t>2021/4/19</a:t>
             </a:fld>
             <a:endParaRPr lang="zh-CN" altLang="en-US"/>
           </a:p>
@@ -2103,7 +2147,7 @@
           <a:p>
             <a:fld id="{D997B5FA-0921-464F-AAE1-844C04324D75}" type="datetimeFigureOut">
               <a:rPr lang="zh-CN" altLang="en-US" smtClean="0"/>
-              <a:t>2021/4/8</a:t>
+              <a:t>2021/4/19</a:t>
             </a:fld>
             <a:endParaRPr lang="zh-CN" altLang="en-US"/>
           </a:p>
@@ -2355,7 +2399,7 @@
           <a:p>
             <a:fld id="{D997B5FA-0921-464F-AAE1-844C04324D75}" type="datetimeFigureOut">
               <a:rPr lang="zh-CN" altLang="en-US" smtClean="0"/>
-              <a:t>2021/4/8</a:t>
+              <a:t>2021/4/19</a:t>
             </a:fld>
             <a:endParaRPr lang="zh-CN" altLang="en-US"/>
           </a:p>
@@ -2566,7 +2610,7 @@
           <a:p>
             <a:fld id="{D997B5FA-0921-464F-AAE1-844C04324D75}" type="datetimeFigureOut">
               <a:rPr lang="zh-CN" altLang="en-US" smtClean="0"/>
-              <a:t>2021/4/8</a:t>
+              <a:t>2021/4/19</a:t>
             </a:fld>
             <a:endParaRPr lang="zh-CN" altLang="en-US"/>
           </a:p>
@@ -4103,42 +4147,12 @@
           <a:chExt cx="0" cy="0"/>
         </a:xfrm>
       </p:grpSpPr>
-    </p:spTree>
-    <p:extLst>
-      <p:ext uri="{BB962C8B-B14F-4D97-AF65-F5344CB8AC3E}">
-        <p14:creationId xmlns:p14="http://schemas.microsoft.com/office/powerpoint/2010/main" val="234132293"/>
-      </p:ext>
-    </p:extLst>
-  </p:cSld>
-  <p:clrMapOvr>
-    <a:masterClrMapping/>
-  </p:clrMapOvr>
-</p:sld>
-</file>
-
-<file path=ppt/slides/slide24.xml><?xml version="1.0" encoding="utf-8"?>
-<p:sld xmlns:a="http://schemas.openxmlformats.org/drawingml/2006/main" xmlns:r="http://schemas.openxmlformats.org/officeDocument/2006/relationships" xmlns:p="http://schemas.openxmlformats.org/presentationml/2006/main">
-  <p:cSld>
-    <p:spTree>
-      <p:nvGrpSpPr>
-        <p:cNvPr id="1" name=""/>
-        <p:cNvGrpSpPr/>
-        <p:nvPr/>
-      </p:nvGrpSpPr>
-      <p:grpSpPr>
-        <a:xfrm>
-          <a:off x="0" y="0"/>
-          <a:ext cx="0" cy="0"/>
-          <a:chOff x="0" y="0"/>
-          <a:chExt cx="0" cy="0"/>
-        </a:xfrm>
-      </p:grpSpPr>
       <p:pic>
         <p:nvPicPr>
           <p:cNvPr id="2" name="图片 1">
             <a:extLst>
               <a:ext uri="{FF2B5EF4-FFF2-40B4-BE49-F238E27FC236}">
-                <a16:creationId xmlns:a16="http://schemas.microsoft.com/office/drawing/2014/main" id="{D235446F-516D-4450-AB6A-3FED7CEC0B22}"/>
+                <a16:creationId xmlns:a16="http://schemas.microsoft.com/office/drawing/2014/main" id="{BA70385C-EDC7-4F1D-A6B5-98B4119844CB}"/>
               </a:ext>
             </a:extLst>
           </p:cNvPr>
@@ -4155,8 +4169,8 @@
         </p:blipFill>
         <p:spPr>
           <a:xfrm>
-            <a:off x="829387" y="603682"/>
-            <a:ext cx="11362613" cy="6095568"/>
+            <a:off x="0" y="401822"/>
+            <a:ext cx="12192000" cy="6054356"/>
           </a:xfrm>
           <a:prstGeom prst="rect">
             <a:avLst/>
@@ -4168,7 +4182,7 @@
           <p:cNvPr id="4" name="文本框 3">
             <a:extLst>
               <a:ext uri="{FF2B5EF4-FFF2-40B4-BE49-F238E27FC236}">
-                <a16:creationId xmlns:a16="http://schemas.microsoft.com/office/drawing/2014/main" id="{A9B235C1-EB17-465F-AE71-C15B7E4208A2}"/>
+                <a16:creationId xmlns:a16="http://schemas.microsoft.com/office/drawing/2014/main" id="{3717ED77-538A-4ABD-A2AE-90AA05148EC3}"/>
               </a:ext>
             </a:extLst>
           </p:cNvPr>
@@ -4177,7 +4191,7 @@
         </p:nvSpPr>
         <p:spPr>
           <a:xfrm>
-            <a:off x="153139" y="158750"/>
+            <a:off x="1480" y="94980"/>
             <a:ext cx="6094520" cy="369332"/>
           </a:xfrm>
           <a:prstGeom prst="rect">
@@ -4201,7 +4215,7 @@
                 <a:latin typeface="-apple-system"/>
                 <a:hlinkClick r:id="rId3"/>
               </a:rPr>
-              <a:t>347. Top K Frequent Elements</a:t>
+              <a:t>23. Merge k Sorted Lists</a:t>
             </a:r>
             <a:endParaRPr lang="en-US" altLang="zh-CN" b="0" i="0" dirty="0">
               <a:solidFill>
@@ -4216,7 +4230,593 @@
     </p:spTree>
     <p:extLst>
       <p:ext uri="{BB962C8B-B14F-4D97-AF65-F5344CB8AC3E}">
-        <p14:creationId xmlns:p14="http://schemas.microsoft.com/office/powerpoint/2010/main" val="751397051"/>
+        <p14:creationId xmlns:p14="http://schemas.microsoft.com/office/powerpoint/2010/main" val="234132293"/>
+      </p:ext>
+    </p:extLst>
+  </p:cSld>
+  <p:clrMapOvr>
+    <a:masterClrMapping/>
+  </p:clrMapOvr>
+</p:sld>
+</file>
+
+<file path=ppt/slides/slide24.xml><?xml version="1.0" encoding="utf-8"?>
+<p:sld xmlns:a="http://schemas.openxmlformats.org/drawingml/2006/main" xmlns:r="http://schemas.openxmlformats.org/officeDocument/2006/relationships" xmlns:p="http://schemas.openxmlformats.org/presentationml/2006/main">
+  <p:cSld>
+    <p:spTree>
+      <p:nvGrpSpPr>
+        <p:cNvPr id="1" name=""/>
+        <p:cNvGrpSpPr/>
+        <p:nvPr/>
+      </p:nvGrpSpPr>
+      <p:grpSpPr>
+        <a:xfrm>
+          <a:off x="0" y="0"/>
+          <a:ext cx="0" cy="0"/>
+          <a:chOff x="0" y="0"/>
+          <a:chExt cx="0" cy="0"/>
+        </a:xfrm>
+      </p:grpSpPr>
+      <p:pic>
+        <p:nvPicPr>
+          <p:cNvPr id="2" name="图片 1">
+            <a:extLst>
+              <a:ext uri="{FF2B5EF4-FFF2-40B4-BE49-F238E27FC236}">
+                <a16:creationId xmlns:a16="http://schemas.microsoft.com/office/drawing/2014/main" id="{136EB525-87B6-432F-AA9D-073A59F1E165}"/>
+              </a:ext>
+            </a:extLst>
+          </p:cNvPr>
+          <p:cNvPicPr>
+            <a:picLocks noChangeAspect="1"/>
+          </p:cNvPicPr>
+          <p:nvPr/>
+        </p:nvPicPr>
+        <p:blipFill>
+          <a:blip r:embed="rId2"/>
+          <a:stretch>
+            <a:fillRect/>
+          </a:stretch>
+        </p:blipFill>
+        <p:spPr>
+          <a:xfrm>
+            <a:off x="0" y="428625"/>
+            <a:ext cx="12192000" cy="6000750"/>
+          </a:xfrm>
+          <a:prstGeom prst="rect">
+            <a:avLst/>
+          </a:prstGeom>
+        </p:spPr>
+      </p:pic>
+      <p:sp>
+        <p:nvSpPr>
+          <p:cNvPr id="4" name="文本框 3">
+            <a:extLst>
+              <a:ext uri="{FF2B5EF4-FFF2-40B4-BE49-F238E27FC236}">
+                <a16:creationId xmlns:a16="http://schemas.microsoft.com/office/drawing/2014/main" id="{04BBAA0A-B120-4A9D-B6B2-D60E3CF6C23A}"/>
+              </a:ext>
+            </a:extLst>
+          </p:cNvPr>
+          <p:cNvSpPr txBox="1"/>
+          <p:nvPr/>
+        </p:nvSpPr>
+        <p:spPr>
+          <a:xfrm>
+            <a:off x="1480" y="59293"/>
+            <a:ext cx="6094520" cy="369332"/>
+          </a:xfrm>
+          <a:prstGeom prst="rect">
+            <a:avLst/>
+          </a:prstGeom>
+          <a:noFill/>
+        </p:spPr>
+        <p:txBody>
+          <a:bodyPr wrap="square">
+            <a:spAutoFit/>
+          </a:bodyPr>
+          <a:lstStyle/>
+          <a:p>
+            <a:pPr algn="l"/>
+            <a:r>
+              <a:rPr lang="en-US" altLang="zh-CN" b="0" i="0" u="none" strike="noStrike" dirty="0">
+                <a:solidFill>
+                  <a:srgbClr val="262626"/>
+                </a:solidFill>
+                <a:effectLst/>
+                <a:latin typeface="-apple-system"/>
+                <a:hlinkClick r:id="rId3"/>
+              </a:rPr>
+              <a:t>24. Swap Nodes in Pairs</a:t>
+            </a:r>
+            <a:endParaRPr lang="en-US" altLang="zh-CN" b="0" i="0" dirty="0">
+              <a:solidFill>
+                <a:srgbClr val="262626"/>
+              </a:solidFill>
+              <a:effectLst/>
+              <a:latin typeface="-apple-system"/>
+            </a:endParaRPr>
+          </a:p>
+        </p:txBody>
+      </p:sp>
+    </p:spTree>
+    <p:extLst>
+      <p:ext uri="{BB962C8B-B14F-4D97-AF65-F5344CB8AC3E}">
+        <p14:creationId xmlns:p14="http://schemas.microsoft.com/office/powerpoint/2010/main" val="1885356935"/>
+      </p:ext>
+    </p:extLst>
+  </p:cSld>
+  <p:clrMapOvr>
+    <a:masterClrMapping/>
+  </p:clrMapOvr>
+</p:sld>
+</file>
+
+<file path=ppt/slides/slide25.xml><?xml version="1.0" encoding="utf-8"?>
+<p:sld xmlns:a="http://schemas.openxmlformats.org/drawingml/2006/main" xmlns:r="http://schemas.openxmlformats.org/officeDocument/2006/relationships" xmlns:p="http://schemas.openxmlformats.org/presentationml/2006/main">
+  <p:cSld>
+    <p:spTree>
+      <p:nvGrpSpPr>
+        <p:cNvPr id="1" name=""/>
+        <p:cNvGrpSpPr/>
+        <p:nvPr/>
+      </p:nvGrpSpPr>
+      <p:grpSpPr>
+        <a:xfrm>
+          <a:off x="0" y="0"/>
+          <a:ext cx="0" cy="0"/>
+          <a:chOff x="0" y="0"/>
+          <a:chExt cx="0" cy="0"/>
+        </a:xfrm>
+      </p:grpSpPr>
+      <p:pic>
+        <p:nvPicPr>
+          <p:cNvPr id="2" name="图片 1">
+            <a:extLst>
+              <a:ext uri="{FF2B5EF4-FFF2-40B4-BE49-F238E27FC236}">
+                <a16:creationId xmlns:a16="http://schemas.microsoft.com/office/drawing/2014/main" id="{D7A444D9-1363-4A44-9E7A-97C203C2B1FA}"/>
+              </a:ext>
+            </a:extLst>
+          </p:cNvPr>
+          <p:cNvPicPr>
+            <a:picLocks noChangeAspect="1"/>
+          </p:cNvPicPr>
+          <p:nvPr/>
+        </p:nvPicPr>
+        <p:blipFill>
+          <a:blip r:embed="rId2"/>
+          <a:stretch>
+            <a:fillRect/>
+          </a:stretch>
+        </p:blipFill>
+        <p:spPr>
+          <a:xfrm>
+            <a:off x="683580" y="525462"/>
+            <a:ext cx="11508419" cy="6173787"/>
+          </a:xfrm>
+          <a:prstGeom prst="rect">
+            <a:avLst/>
+          </a:prstGeom>
+        </p:spPr>
+      </p:pic>
+      <p:sp>
+        <p:nvSpPr>
+          <p:cNvPr id="4" name="文本框 3">
+            <a:extLst>
+              <a:ext uri="{FF2B5EF4-FFF2-40B4-BE49-F238E27FC236}">
+                <a16:creationId xmlns:a16="http://schemas.microsoft.com/office/drawing/2014/main" id="{DDB01EA0-B84C-4685-902B-BE184AB0FB68}"/>
+              </a:ext>
+            </a:extLst>
+          </p:cNvPr>
+          <p:cNvSpPr txBox="1"/>
+          <p:nvPr/>
+        </p:nvSpPr>
+        <p:spPr>
+          <a:xfrm>
+            <a:off x="0" y="156130"/>
+            <a:ext cx="6094520" cy="369332"/>
+          </a:xfrm>
+          <a:prstGeom prst="rect">
+            <a:avLst/>
+          </a:prstGeom>
+          <a:noFill/>
+        </p:spPr>
+        <p:txBody>
+          <a:bodyPr wrap="square">
+            <a:spAutoFit/>
+          </a:bodyPr>
+          <a:lstStyle/>
+          <a:p>
+            <a:pPr algn="l"/>
+            <a:r>
+              <a:rPr lang="en-US" altLang="zh-CN" b="0" i="0" u="none" strike="noStrike" dirty="0">
+                <a:solidFill>
+                  <a:srgbClr val="262626"/>
+                </a:solidFill>
+                <a:effectLst/>
+                <a:latin typeface="-apple-system"/>
+                <a:hlinkClick r:id="rId3"/>
+              </a:rPr>
+              <a:t>25. Reverse Nodes in k-Group</a:t>
+            </a:r>
+            <a:endParaRPr lang="en-US" altLang="zh-CN" b="0" i="0" dirty="0">
+              <a:solidFill>
+                <a:srgbClr val="262626"/>
+              </a:solidFill>
+              <a:effectLst/>
+              <a:latin typeface="-apple-system"/>
+            </a:endParaRPr>
+          </a:p>
+        </p:txBody>
+      </p:sp>
+    </p:spTree>
+    <p:extLst>
+      <p:ext uri="{BB962C8B-B14F-4D97-AF65-F5344CB8AC3E}">
+        <p14:creationId xmlns:p14="http://schemas.microsoft.com/office/powerpoint/2010/main" val="4143935850"/>
+      </p:ext>
+    </p:extLst>
+  </p:cSld>
+  <p:clrMapOvr>
+    <a:masterClrMapping/>
+  </p:clrMapOvr>
+</p:sld>
+</file>
+
+<file path=ppt/slides/slide26.xml><?xml version="1.0" encoding="utf-8"?>
+<p:sld xmlns:a="http://schemas.openxmlformats.org/drawingml/2006/main" xmlns:r="http://schemas.openxmlformats.org/officeDocument/2006/relationships" xmlns:p="http://schemas.openxmlformats.org/presentationml/2006/main">
+  <p:cSld>
+    <p:spTree>
+      <p:nvGrpSpPr>
+        <p:cNvPr id="1" name=""/>
+        <p:cNvGrpSpPr/>
+        <p:nvPr/>
+      </p:nvGrpSpPr>
+      <p:grpSpPr>
+        <a:xfrm>
+          <a:off x="0" y="0"/>
+          <a:ext cx="0" cy="0"/>
+          <a:chOff x="0" y="0"/>
+          <a:chExt cx="0" cy="0"/>
+        </a:xfrm>
+      </p:grpSpPr>
+      <p:pic>
+        <p:nvPicPr>
+          <p:cNvPr id="2" name="图片 1">
+            <a:extLst>
+              <a:ext uri="{FF2B5EF4-FFF2-40B4-BE49-F238E27FC236}">
+                <a16:creationId xmlns:a16="http://schemas.microsoft.com/office/drawing/2014/main" id="{C86E4607-E46B-4056-B0D9-D3070C15E217}"/>
+              </a:ext>
+            </a:extLst>
+          </p:cNvPr>
+          <p:cNvPicPr>
+            <a:picLocks noChangeAspect="1"/>
+          </p:cNvPicPr>
+          <p:nvPr/>
+        </p:nvPicPr>
+        <p:blipFill>
+          <a:blip r:embed="rId2"/>
+          <a:stretch>
+            <a:fillRect/>
+          </a:stretch>
+        </p:blipFill>
+        <p:spPr>
+          <a:xfrm>
+            <a:off x="443882" y="396874"/>
+            <a:ext cx="11748117" cy="6302375"/>
+          </a:xfrm>
+          <a:prstGeom prst="rect">
+            <a:avLst/>
+          </a:prstGeom>
+        </p:spPr>
+      </p:pic>
+      <p:sp>
+        <p:nvSpPr>
+          <p:cNvPr id="4" name="文本框 3">
+            <a:extLst>
+              <a:ext uri="{FF2B5EF4-FFF2-40B4-BE49-F238E27FC236}">
+                <a16:creationId xmlns:a16="http://schemas.microsoft.com/office/drawing/2014/main" id="{3C913631-D9A0-4883-B595-E5CF75F8096E}"/>
+              </a:ext>
+            </a:extLst>
+          </p:cNvPr>
+          <p:cNvSpPr txBox="1"/>
+          <p:nvPr/>
+        </p:nvSpPr>
+        <p:spPr>
+          <a:xfrm>
+            <a:off x="0" y="27542"/>
+            <a:ext cx="6094520" cy="369332"/>
+          </a:xfrm>
+          <a:prstGeom prst="rect">
+            <a:avLst/>
+          </a:prstGeom>
+          <a:noFill/>
+        </p:spPr>
+        <p:txBody>
+          <a:bodyPr wrap="square">
+            <a:spAutoFit/>
+          </a:bodyPr>
+          <a:lstStyle/>
+          <a:p>
+            <a:r>
+              <a:rPr lang="en-US" altLang="zh-CN" sz="1800" dirty="0">
+                <a:solidFill>
+                  <a:srgbClr val="000000"/>
+                </a:solidFill>
+                <a:latin typeface="新宋体" panose="02010609030101010101" pitchFamily="49" charset="-122"/>
+                <a:ea typeface="新宋体" panose="02010609030101010101" pitchFamily="49" charset="-122"/>
+              </a:rPr>
+              <a:t>26. Remove Duplicates from Sorted Array</a:t>
+            </a:r>
+            <a:endParaRPr lang="zh-CN" altLang="en-US" dirty="0"/>
+          </a:p>
+        </p:txBody>
+      </p:sp>
+    </p:spTree>
+    <p:extLst>
+      <p:ext uri="{BB962C8B-B14F-4D97-AF65-F5344CB8AC3E}">
+        <p14:creationId xmlns:p14="http://schemas.microsoft.com/office/powerpoint/2010/main" val="2073698696"/>
+      </p:ext>
+    </p:extLst>
+  </p:cSld>
+  <p:clrMapOvr>
+    <a:masterClrMapping/>
+  </p:clrMapOvr>
+</p:sld>
+</file>
+
+<file path=ppt/slides/slide27.xml><?xml version="1.0" encoding="utf-8"?>
+<p:sld xmlns:a="http://schemas.openxmlformats.org/drawingml/2006/main" xmlns:r="http://schemas.openxmlformats.org/officeDocument/2006/relationships" xmlns:p="http://schemas.openxmlformats.org/presentationml/2006/main">
+  <p:cSld>
+    <p:spTree>
+      <p:nvGrpSpPr>
+        <p:cNvPr id="1" name=""/>
+        <p:cNvGrpSpPr/>
+        <p:nvPr/>
+      </p:nvGrpSpPr>
+      <p:grpSpPr>
+        <a:xfrm>
+          <a:off x="0" y="0"/>
+          <a:ext cx="0" cy="0"/>
+          <a:chOff x="0" y="0"/>
+          <a:chExt cx="0" cy="0"/>
+        </a:xfrm>
+      </p:grpSpPr>
+      <p:pic>
+        <p:nvPicPr>
+          <p:cNvPr id="2" name="图片 1">
+            <a:extLst>
+              <a:ext uri="{FF2B5EF4-FFF2-40B4-BE49-F238E27FC236}">
+                <a16:creationId xmlns:a16="http://schemas.microsoft.com/office/drawing/2014/main" id="{7A1939A0-E2E4-4149-BE8C-9C0DA0937236}"/>
+              </a:ext>
+            </a:extLst>
+          </p:cNvPr>
+          <p:cNvPicPr>
+            <a:picLocks noChangeAspect="1"/>
+          </p:cNvPicPr>
+          <p:nvPr/>
+        </p:nvPicPr>
+        <p:blipFill>
+          <a:blip r:embed="rId2"/>
+          <a:stretch>
+            <a:fillRect/>
+          </a:stretch>
+        </p:blipFill>
+        <p:spPr>
+          <a:xfrm>
+            <a:off x="541538" y="449262"/>
+            <a:ext cx="11650462" cy="6249987"/>
+          </a:xfrm>
+          <a:prstGeom prst="rect">
+            <a:avLst/>
+          </a:prstGeom>
+        </p:spPr>
+      </p:pic>
+      <p:sp>
+        <p:nvSpPr>
+          <p:cNvPr id="4" name="文本框 3">
+            <a:extLst>
+              <a:ext uri="{FF2B5EF4-FFF2-40B4-BE49-F238E27FC236}">
+                <a16:creationId xmlns:a16="http://schemas.microsoft.com/office/drawing/2014/main" id="{9CDC6DEA-2D18-44AD-BB03-577A1D1D7AB1}"/>
+              </a:ext>
+            </a:extLst>
+          </p:cNvPr>
+          <p:cNvSpPr txBox="1"/>
+          <p:nvPr/>
+        </p:nvSpPr>
+        <p:spPr>
+          <a:xfrm>
+            <a:off x="0" y="158751"/>
+            <a:ext cx="6094520" cy="369332"/>
+          </a:xfrm>
+          <a:prstGeom prst="rect">
+            <a:avLst/>
+          </a:prstGeom>
+          <a:noFill/>
+        </p:spPr>
+        <p:txBody>
+          <a:bodyPr wrap="square">
+            <a:spAutoFit/>
+          </a:bodyPr>
+          <a:lstStyle/>
+          <a:p>
+            <a:r>
+              <a:rPr lang="en-US" altLang="zh-CN" sz="1800" dirty="0">
+                <a:solidFill>
+                  <a:srgbClr val="000000"/>
+                </a:solidFill>
+                <a:latin typeface="新宋体" panose="02010609030101010101" pitchFamily="49" charset="-122"/>
+                <a:ea typeface="新宋体" panose="02010609030101010101" pitchFamily="49" charset="-122"/>
+              </a:rPr>
+              <a:t>27. Remove Element</a:t>
+            </a:r>
+            <a:endParaRPr lang="zh-CN" altLang="en-US" dirty="0"/>
+          </a:p>
+        </p:txBody>
+      </p:sp>
+    </p:spTree>
+    <p:extLst>
+      <p:ext uri="{BB962C8B-B14F-4D97-AF65-F5344CB8AC3E}">
+        <p14:creationId xmlns:p14="http://schemas.microsoft.com/office/powerpoint/2010/main" val="372821134"/>
+      </p:ext>
+    </p:extLst>
+  </p:cSld>
+  <p:clrMapOvr>
+    <a:masterClrMapping/>
+  </p:clrMapOvr>
+</p:sld>
+</file>
+
+<file path=ppt/slides/slide28.xml><?xml version="1.0" encoding="utf-8"?>
+<p:sld xmlns:a="http://schemas.openxmlformats.org/drawingml/2006/main" xmlns:r="http://schemas.openxmlformats.org/officeDocument/2006/relationships" xmlns:p="http://schemas.openxmlformats.org/presentationml/2006/main">
+  <p:cSld>
+    <p:spTree>
+      <p:nvGrpSpPr>
+        <p:cNvPr id="1" name=""/>
+        <p:cNvGrpSpPr/>
+        <p:nvPr/>
+      </p:nvGrpSpPr>
+      <p:grpSpPr>
+        <a:xfrm>
+          <a:off x="0" y="0"/>
+          <a:ext cx="0" cy="0"/>
+          <a:chOff x="0" y="0"/>
+          <a:chExt cx="0" cy="0"/>
+        </a:xfrm>
+      </p:grpSpPr>
+      <p:pic>
+        <p:nvPicPr>
+          <p:cNvPr id="2" name="图片 1">
+            <a:extLst>
+              <a:ext uri="{FF2B5EF4-FFF2-40B4-BE49-F238E27FC236}">
+                <a16:creationId xmlns:a16="http://schemas.microsoft.com/office/drawing/2014/main" id="{60A7498B-965C-4745-BE61-0E335FD0291C}"/>
+              </a:ext>
+            </a:extLst>
+          </p:cNvPr>
+          <p:cNvPicPr>
+            <a:picLocks noChangeAspect="1"/>
+          </p:cNvPicPr>
+          <p:nvPr/>
+        </p:nvPicPr>
+        <p:blipFill>
+          <a:blip r:embed="rId2"/>
+          <a:stretch>
+            <a:fillRect/>
+          </a:stretch>
+        </p:blipFill>
+        <p:spPr>
+          <a:xfrm>
+            <a:off x="727968" y="549274"/>
+            <a:ext cx="11464031" cy="6149975"/>
+          </a:xfrm>
+          <a:prstGeom prst="rect">
+            <a:avLst/>
+          </a:prstGeom>
+        </p:spPr>
+      </p:pic>
+      <p:sp>
+        <p:nvSpPr>
+          <p:cNvPr id="4" name="文本框 3">
+            <a:extLst>
+              <a:ext uri="{FF2B5EF4-FFF2-40B4-BE49-F238E27FC236}">
+                <a16:creationId xmlns:a16="http://schemas.microsoft.com/office/drawing/2014/main" id="{BD0E1E89-F779-4F8F-BDE8-E70E1886992F}"/>
+              </a:ext>
+            </a:extLst>
+          </p:cNvPr>
+          <p:cNvSpPr txBox="1"/>
+          <p:nvPr/>
+        </p:nvSpPr>
+        <p:spPr>
+          <a:xfrm>
+            <a:off x="1480" y="158751"/>
+            <a:ext cx="6094520" cy="369332"/>
+          </a:xfrm>
+          <a:prstGeom prst="rect">
+            <a:avLst/>
+          </a:prstGeom>
+          <a:noFill/>
+        </p:spPr>
+        <p:txBody>
+          <a:bodyPr wrap="square">
+            <a:spAutoFit/>
+          </a:bodyPr>
+          <a:lstStyle/>
+          <a:p>
+            <a:pPr algn="l"/>
+            <a:r>
+              <a:rPr lang="en-US" altLang="zh-CN" b="0" i="0" u="none" strike="noStrike" dirty="0">
+                <a:solidFill>
+                  <a:srgbClr val="262626"/>
+                </a:solidFill>
+                <a:effectLst/>
+                <a:latin typeface="-apple-system"/>
+                <a:hlinkClick r:id="rId3"/>
+              </a:rPr>
+              <a:t>28. Implement </a:t>
+            </a:r>
+            <a:r>
+              <a:rPr lang="en-US" altLang="zh-CN" b="0" i="0" u="none" strike="noStrike" dirty="0" err="1">
+                <a:solidFill>
+                  <a:srgbClr val="262626"/>
+                </a:solidFill>
+                <a:effectLst/>
+                <a:latin typeface="-apple-system"/>
+                <a:hlinkClick r:id="rId3"/>
+              </a:rPr>
+              <a:t>strStr</a:t>
+            </a:r>
+            <a:r>
+              <a:rPr lang="en-US" altLang="zh-CN" b="0" i="0" u="none" strike="noStrike" dirty="0">
+                <a:solidFill>
+                  <a:srgbClr val="262626"/>
+                </a:solidFill>
+                <a:effectLst/>
+                <a:latin typeface="-apple-system"/>
+                <a:hlinkClick r:id="rId3"/>
+              </a:rPr>
+              <a:t>()</a:t>
+            </a:r>
+            <a:endParaRPr lang="en-US" altLang="zh-CN" b="0" i="0" dirty="0">
+              <a:solidFill>
+                <a:srgbClr val="262626"/>
+              </a:solidFill>
+              <a:effectLst/>
+              <a:latin typeface="-apple-system"/>
+            </a:endParaRPr>
+          </a:p>
+        </p:txBody>
+      </p:sp>
+    </p:spTree>
+    <p:extLst>
+      <p:ext uri="{BB962C8B-B14F-4D97-AF65-F5344CB8AC3E}">
+        <p14:creationId xmlns:p14="http://schemas.microsoft.com/office/powerpoint/2010/main" val="1773437834"/>
+      </p:ext>
+    </p:extLst>
+  </p:cSld>
+  <p:clrMapOvr>
+    <a:masterClrMapping/>
+  </p:clrMapOvr>
+</p:sld>
+</file>
+
+<file path=ppt/slides/slide29.xml><?xml version="1.0" encoding="utf-8"?>
+<p:sld xmlns:a="http://schemas.openxmlformats.org/drawingml/2006/main" xmlns:r="http://schemas.openxmlformats.org/officeDocument/2006/relationships" xmlns:p="http://schemas.openxmlformats.org/presentationml/2006/main">
+  <p:cSld>
+    <p:spTree>
+      <p:nvGrpSpPr>
+        <p:cNvPr id="1" name=""/>
+        <p:cNvGrpSpPr/>
+        <p:nvPr/>
+      </p:nvGrpSpPr>
+      <p:grpSpPr>
+        <a:xfrm>
+          <a:off x="0" y="0"/>
+          <a:ext cx="0" cy="0"/>
+          <a:chOff x="0" y="0"/>
+          <a:chExt cx="0" cy="0"/>
+        </a:xfrm>
+      </p:grpSpPr>
+    </p:spTree>
+    <p:extLst>
+      <p:ext uri="{BB962C8B-B14F-4D97-AF65-F5344CB8AC3E}">
+        <p14:creationId xmlns:p14="http://schemas.microsoft.com/office/powerpoint/2010/main" val="1539753286"/>
       </p:ext>
     </p:extLst>
   </p:cSld>
@@ -4287,7 +4887,7 @@
         </p:nvSpPr>
         <p:spPr>
           <a:xfrm>
-            <a:off x="426128" y="470517"/>
+            <a:off x="71021" y="149872"/>
             <a:ext cx="4944046" cy="369332"/>
           </a:xfrm>
           <a:prstGeom prst="rect">
@@ -4336,6 +4936,546 @@
 </p:sld>
 </file>
 
+<file path=ppt/slides/slide30.xml><?xml version="1.0" encoding="utf-8"?>
+<p:sld xmlns:a="http://schemas.openxmlformats.org/drawingml/2006/main" xmlns:r="http://schemas.openxmlformats.org/officeDocument/2006/relationships" xmlns:p="http://schemas.openxmlformats.org/presentationml/2006/main">
+  <p:cSld>
+    <p:spTree>
+      <p:nvGrpSpPr>
+        <p:cNvPr id="1" name=""/>
+        <p:cNvGrpSpPr/>
+        <p:nvPr/>
+      </p:nvGrpSpPr>
+      <p:grpSpPr>
+        <a:xfrm>
+          <a:off x="0" y="0"/>
+          <a:ext cx="0" cy="0"/>
+          <a:chOff x="0" y="0"/>
+          <a:chExt cx="0" cy="0"/>
+        </a:xfrm>
+      </p:grpSpPr>
+    </p:spTree>
+    <p:extLst>
+      <p:ext uri="{BB962C8B-B14F-4D97-AF65-F5344CB8AC3E}">
+        <p14:creationId xmlns:p14="http://schemas.microsoft.com/office/powerpoint/2010/main" val="1835362056"/>
+      </p:ext>
+    </p:extLst>
+  </p:cSld>
+  <p:clrMapOvr>
+    <a:masterClrMapping/>
+  </p:clrMapOvr>
+</p:sld>
+</file>
+
+<file path=ppt/slides/slide31.xml><?xml version="1.0" encoding="utf-8"?>
+<p:sld xmlns:a="http://schemas.openxmlformats.org/drawingml/2006/main" xmlns:r="http://schemas.openxmlformats.org/officeDocument/2006/relationships" xmlns:p="http://schemas.openxmlformats.org/presentationml/2006/main">
+  <p:cSld>
+    <p:spTree>
+      <p:nvGrpSpPr>
+        <p:cNvPr id="1" name=""/>
+        <p:cNvGrpSpPr/>
+        <p:nvPr/>
+      </p:nvGrpSpPr>
+      <p:grpSpPr>
+        <a:xfrm>
+          <a:off x="0" y="0"/>
+          <a:ext cx="0" cy="0"/>
+          <a:chOff x="0" y="0"/>
+          <a:chExt cx="0" cy="0"/>
+        </a:xfrm>
+      </p:grpSpPr>
+      <p:pic>
+        <p:nvPicPr>
+          <p:cNvPr id="2" name="图片 1">
+            <a:extLst>
+              <a:ext uri="{FF2B5EF4-FFF2-40B4-BE49-F238E27FC236}">
+                <a16:creationId xmlns:a16="http://schemas.microsoft.com/office/drawing/2014/main" id="{75FCCF3B-E1B9-49CC-B708-C38647E3CECD}"/>
+              </a:ext>
+            </a:extLst>
+          </p:cNvPr>
+          <p:cNvPicPr>
+            <a:picLocks noChangeAspect="1"/>
+          </p:cNvPicPr>
+          <p:nvPr/>
+        </p:nvPicPr>
+        <p:blipFill>
+          <a:blip r:embed="rId2"/>
+          <a:stretch>
+            <a:fillRect/>
+          </a:stretch>
+        </p:blipFill>
+        <p:spPr>
+          <a:xfrm>
+            <a:off x="1176908" y="790113"/>
+            <a:ext cx="11015091" cy="5909137"/>
+          </a:xfrm>
+          <a:prstGeom prst="rect">
+            <a:avLst/>
+          </a:prstGeom>
+        </p:spPr>
+      </p:pic>
+      <p:sp>
+        <p:nvSpPr>
+          <p:cNvPr id="4" name="文本框 3">
+            <a:extLst>
+              <a:ext uri="{FF2B5EF4-FFF2-40B4-BE49-F238E27FC236}">
+                <a16:creationId xmlns:a16="http://schemas.microsoft.com/office/drawing/2014/main" id="{9C2695E1-DAF5-4532-B1B3-4A639535CD22}"/>
+              </a:ext>
+            </a:extLst>
+          </p:cNvPr>
+          <p:cNvSpPr txBox="1"/>
+          <p:nvPr/>
+        </p:nvSpPr>
+        <p:spPr>
+          <a:xfrm>
+            <a:off x="188651" y="325800"/>
+            <a:ext cx="6094520" cy="369332"/>
+          </a:xfrm>
+          <a:prstGeom prst="rect">
+            <a:avLst/>
+          </a:prstGeom>
+          <a:noFill/>
+        </p:spPr>
+        <p:txBody>
+          <a:bodyPr wrap="square">
+            <a:spAutoFit/>
+          </a:bodyPr>
+          <a:lstStyle/>
+          <a:p>
+            <a:pPr algn="l"/>
+            <a:r>
+              <a:rPr lang="en-US" altLang="zh-CN" b="0" i="0" u="none" strike="noStrike" dirty="0">
+                <a:solidFill>
+                  <a:srgbClr val="262626"/>
+                </a:solidFill>
+                <a:effectLst/>
+                <a:latin typeface="-apple-system"/>
+                <a:hlinkClick r:id="rId3"/>
+              </a:rPr>
+              <a:t>31. Next Permutation</a:t>
+            </a:r>
+            <a:endParaRPr lang="en-US" altLang="zh-CN" b="0" i="0" dirty="0">
+              <a:solidFill>
+                <a:srgbClr val="262626"/>
+              </a:solidFill>
+              <a:effectLst/>
+              <a:latin typeface="-apple-system"/>
+            </a:endParaRPr>
+          </a:p>
+        </p:txBody>
+      </p:sp>
+    </p:spTree>
+    <p:extLst>
+      <p:ext uri="{BB962C8B-B14F-4D97-AF65-F5344CB8AC3E}">
+        <p14:creationId xmlns:p14="http://schemas.microsoft.com/office/powerpoint/2010/main" val="3568669766"/>
+      </p:ext>
+    </p:extLst>
+  </p:cSld>
+  <p:clrMapOvr>
+    <a:masterClrMapping/>
+  </p:clrMapOvr>
+</p:sld>
+</file>
+
+<file path=ppt/slides/slide32.xml><?xml version="1.0" encoding="utf-8"?>
+<p:sld xmlns:a="http://schemas.openxmlformats.org/drawingml/2006/main" xmlns:r="http://schemas.openxmlformats.org/officeDocument/2006/relationships" xmlns:p="http://schemas.openxmlformats.org/presentationml/2006/main">
+  <p:cSld>
+    <p:spTree>
+      <p:nvGrpSpPr>
+        <p:cNvPr id="1" name=""/>
+        <p:cNvGrpSpPr/>
+        <p:nvPr/>
+      </p:nvGrpSpPr>
+      <p:grpSpPr>
+        <a:xfrm>
+          <a:off x="0" y="0"/>
+          <a:ext cx="0" cy="0"/>
+          <a:chOff x="0" y="0"/>
+          <a:chExt cx="0" cy="0"/>
+        </a:xfrm>
+      </p:grpSpPr>
+    </p:spTree>
+    <p:extLst>
+      <p:ext uri="{BB962C8B-B14F-4D97-AF65-F5344CB8AC3E}">
+        <p14:creationId xmlns:p14="http://schemas.microsoft.com/office/powerpoint/2010/main" val="2585481701"/>
+      </p:ext>
+    </p:extLst>
+  </p:cSld>
+  <p:clrMapOvr>
+    <a:masterClrMapping/>
+  </p:clrMapOvr>
+</p:sld>
+</file>
+
+<file path=ppt/slides/slide33.xml><?xml version="1.0" encoding="utf-8"?>
+<p:sld xmlns:a="http://schemas.openxmlformats.org/drawingml/2006/main" xmlns:r="http://schemas.openxmlformats.org/officeDocument/2006/relationships" xmlns:p="http://schemas.openxmlformats.org/presentationml/2006/main">
+  <p:cSld>
+    <p:spTree>
+      <p:nvGrpSpPr>
+        <p:cNvPr id="1" name=""/>
+        <p:cNvGrpSpPr/>
+        <p:nvPr/>
+      </p:nvGrpSpPr>
+      <p:grpSpPr>
+        <a:xfrm>
+          <a:off x="0" y="0"/>
+          <a:ext cx="0" cy="0"/>
+          <a:chOff x="0" y="0"/>
+          <a:chExt cx="0" cy="0"/>
+        </a:xfrm>
+      </p:grpSpPr>
+    </p:spTree>
+    <p:extLst>
+      <p:ext uri="{BB962C8B-B14F-4D97-AF65-F5344CB8AC3E}">
+        <p14:creationId xmlns:p14="http://schemas.microsoft.com/office/powerpoint/2010/main" val="623848071"/>
+      </p:ext>
+    </p:extLst>
+  </p:cSld>
+  <p:clrMapOvr>
+    <a:masterClrMapping/>
+  </p:clrMapOvr>
+</p:sld>
+</file>
+
+<file path=ppt/slides/slide34.xml><?xml version="1.0" encoding="utf-8"?>
+<p:sld xmlns:a="http://schemas.openxmlformats.org/drawingml/2006/main" xmlns:r="http://schemas.openxmlformats.org/officeDocument/2006/relationships" xmlns:p="http://schemas.openxmlformats.org/presentationml/2006/main">
+  <p:cSld>
+    <p:spTree>
+      <p:nvGrpSpPr>
+        <p:cNvPr id="1" name=""/>
+        <p:cNvGrpSpPr/>
+        <p:nvPr/>
+      </p:nvGrpSpPr>
+      <p:grpSpPr>
+        <a:xfrm>
+          <a:off x="0" y="0"/>
+          <a:ext cx="0" cy="0"/>
+          <a:chOff x="0" y="0"/>
+          <a:chExt cx="0" cy="0"/>
+        </a:xfrm>
+      </p:grpSpPr>
+      <p:pic>
+        <p:nvPicPr>
+          <p:cNvPr id="2" name="图片 1">
+            <a:extLst>
+              <a:ext uri="{FF2B5EF4-FFF2-40B4-BE49-F238E27FC236}">
+                <a16:creationId xmlns:a16="http://schemas.microsoft.com/office/drawing/2014/main" id="{7543678B-031B-478F-AB59-1D93A3AAFD4B}"/>
+              </a:ext>
+            </a:extLst>
+          </p:cNvPr>
+          <p:cNvPicPr>
+            <a:picLocks noChangeAspect="1"/>
+          </p:cNvPicPr>
+          <p:nvPr/>
+        </p:nvPicPr>
+        <p:blipFill>
+          <a:blip r:embed="rId2"/>
+          <a:stretch>
+            <a:fillRect/>
+          </a:stretch>
+        </p:blipFill>
+        <p:spPr>
+          <a:xfrm>
+            <a:off x="736846" y="554038"/>
+            <a:ext cx="11455153" cy="6145212"/>
+          </a:xfrm>
+          <a:prstGeom prst="rect">
+            <a:avLst/>
+          </a:prstGeom>
+        </p:spPr>
+      </p:pic>
+      <p:sp>
+        <p:nvSpPr>
+          <p:cNvPr id="4" name="文本框 3">
+            <a:extLst>
+              <a:ext uri="{FF2B5EF4-FFF2-40B4-BE49-F238E27FC236}">
+                <a16:creationId xmlns:a16="http://schemas.microsoft.com/office/drawing/2014/main" id="{C3EACF6F-8F6F-4873-94D4-7DABAA30600D}"/>
+              </a:ext>
+            </a:extLst>
+          </p:cNvPr>
+          <p:cNvSpPr txBox="1"/>
+          <p:nvPr/>
+        </p:nvSpPr>
+        <p:spPr>
+          <a:xfrm>
+            <a:off x="82118" y="86102"/>
+            <a:ext cx="6094520" cy="369332"/>
+          </a:xfrm>
+          <a:prstGeom prst="rect">
+            <a:avLst/>
+          </a:prstGeom>
+          <a:noFill/>
+        </p:spPr>
+        <p:txBody>
+          <a:bodyPr wrap="square">
+            <a:spAutoFit/>
+          </a:bodyPr>
+          <a:lstStyle/>
+          <a:p>
+            <a:pPr algn="l"/>
+            <a:r>
+              <a:rPr lang="en-US" altLang="zh-CN" b="0" i="0" u="none" strike="noStrike" dirty="0">
+                <a:solidFill>
+                  <a:srgbClr val="262626"/>
+                </a:solidFill>
+                <a:effectLst/>
+                <a:latin typeface="-apple-system"/>
+                <a:hlinkClick r:id="rId3"/>
+              </a:rPr>
+              <a:t>34. Find First and Last Position of Element in Sorted Array</a:t>
+            </a:r>
+            <a:endParaRPr lang="en-US" altLang="zh-CN" b="0" i="0" dirty="0">
+              <a:solidFill>
+                <a:srgbClr val="262626"/>
+              </a:solidFill>
+              <a:effectLst/>
+              <a:latin typeface="-apple-system"/>
+            </a:endParaRPr>
+          </a:p>
+        </p:txBody>
+      </p:sp>
+    </p:spTree>
+    <p:extLst>
+      <p:ext uri="{BB962C8B-B14F-4D97-AF65-F5344CB8AC3E}">
+        <p14:creationId xmlns:p14="http://schemas.microsoft.com/office/powerpoint/2010/main" val="1555159790"/>
+      </p:ext>
+    </p:extLst>
+  </p:cSld>
+  <p:clrMapOvr>
+    <a:masterClrMapping/>
+  </p:clrMapOvr>
+</p:sld>
+</file>
+
+<file path=ppt/slides/slide35.xml><?xml version="1.0" encoding="utf-8"?>
+<p:sld xmlns:a="http://schemas.openxmlformats.org/drawingml/2006/main" xmlns:r="http://schemas.openxmlformats.org/officeDocument/2006/relationships" xmlns:p="http://schemas.openxmlformats.org/presentationml/2006/main">
+  <p:cSld>
+    <p:spTree>
+      <p:nvGrpSpPr>
+        <p:cNvPr id="1" name=""/>
+        <p:cNvGrpSpPr/>
+        <p:nvPr/>
+      </p:nvGrpSpPr>
+      <p:grpSpPr>
+        <a:xfrm>
+          <a:off x="0" y="0"/>
+          <a:ext cx="0" cy="0"/>
+          <a:chOff x="0" y="0"/>
+          <a:chExt cx="0" cy="0"/>
+        </a:xfrm>
+      </p:grpSpPr>
+      <p:pic>
+        <p:nvPicPr>
+          <p:cNvPr id="2" name="图片 1">
+            <a:extLst>
+              <a:ext uri="{FF2B5EF4-FFF2-40B4-BE49-F238E27FC236}">
+                <a16:creationId xmlns:a16="http://schemas.microsoft.com/office/drawing/2014/main" id="{DDA1BDD3-0A9E-4E6D-ACA1-0F7F1C1A170C}"/>
+              </a:ext>
+            </a:extLst>
+          </p:cNvPr>
+          <p:cNvPicPr>
+            <a:picLocks noChangeAspect="1"/>
+          </p:cNvPicPr>
+          <p:nvPr/>
+        </p:nvPicPr>
+        <p:blipFill>
+          <a:blip r:embed="rId2"/>
+          <a:stretch>
+            <a:fillRect/>
+          </a:stretch>
+        </p:blipFill>
+        <p:spPr>
+          <a:xfrm>
+            <a:off x="798990" y="587374"/>
+            <a:ext cx="11393010" cy="6111875"/>
+          </a:xfrm>
+          <a:prstGeom prst="rect">
+            <a:avLst/>
+          </a:prstGeom>
+        </p:spPr>
+      </p:pic>
+      <p:sp>
+        <p:nvSpPr>
+          <p:cNvPr id="4" name="文本框 3">
+            <a:extLst>
+              <a:ext uri="{FF2B5EF4-FFF2-40B4-BE49-F238E27FC236}">
+                <a16:creationId xmlns:a16="http://schemas.microsoft.com/office/drawing/2014/main" id="{75B2A503-EA96-4B52-B766-6A1A2A11B08D}"/>
+              </a:ext>
+            </a:extLst>
+          </p:cNvPr>
+          <p:cNvSpPr txBox="1"/>
+          <p:nvPr/>
+        </p:nvSpPr>
+        <p:spPr>
+          <a:xfrm>
+            <a:off x="144262" y="158751"/>
+            <a:ext cx="6094520" cy="369332"/>
+          </a:xfrm>
+          <a:prstGeom prst="rect">
+            <a:avLst/>
+          </a:prstGeom>
+          <a:noFill/>
+        </p:spPr>
+        <p:txBody>
+          <a:bodyPr wrap="square">
+            <a:spAutoFit/>
+          </a:bodyPr>
+          <a:lstStyle/>
+          <a:p>
+            <a:pPr algn="l"/>
+            <a:r>
+              <a:rPr lang="en-US" altLang="zh-CN" b="0" i="0" u="none" strike="noStrike" dirty="0">
+                <a:solidFill>
+                  <a:srgbClr val="262626"/>
+                </a:solidFill>
+                <a:effectLst/>
+                <a:latin typeface="-apple-system"/>
+                <a:hlinkClick r:id="rId3"/>
+              </a:rPr>
+              <a:t>35. Search Insert Position</a:t>
+            </a:r>
+            <a:endParaRPr lang="en-US" altLang="zh-CN" b="0" i="0" dirty="0">
+              <a:solidFill>
+                <a:srgbClr val="262626"/>
+              </a:solidFill>
+              <a:effectLst/>
+              <a:latin typeface="-apple-system"/>
+            </a:endParaRPr>
+          </a:p>
+        </p:txBody>
+      </p:sp>
+    </p:spTree>
+    <p:extLst>
+      <p:ext uri="{BB962C8B-B14F-4D97-AF65-F5344CB8AC3E}">
+        <p14:creationId xmlns:p14="http://schemas.microsoft.com/office/powerpoint/2010/main" val="4015721139"/>
+      </p:ext>
+    </p:extLst>
+  </p:cSld>
+  <p:clrMapOvr>
+    <a:masterClrMapping/>
+  </p:clrMapOvr>
+</p:sld>
+</file>
+
+<file path=ppt/slides/slide36.xml><?xml version="1.0" encoding="utf-8"?>
+<p:sld xmlns:a="http://schemas.openxmlformats.org/drawingml/2006/main" xmlns:r="http://schemas.openxmlformats.org/officeDocument/2006/relationships" xmlns:p="http://schemas.openxmlformats.org/presentationml/2006/main">
+  <p:cSld>
+    <p:spTree>
+      <p:nvGrpSpPr>
+        <p:cNvPr id="1" name=""/>
+        <p:cNvGrpSpPr/>
+        <p:nvPr/>
+      </p:nvGrpSpPr>
+      <p:grpSpPr>
+        <a:xfrm>
+          <a:off x="0" y="0"/>
+          <a:ext cx="0" cy="0"/>
+          <a:chOff x="0" y="0"/>
+          <a:chExt cx="0" cy="0"/>
+        </a:xfrm>
+      </p:grpSpPr>
+    </p:spTree>
+    <p:extLst>
+      <p:ext uri="{BB962C8B-B14F-4D97-AF65-F5344CB8AC3E}">
+        <p14:creationId xmlns:p14="http://schemas.microsoft.com/office/powerpoint/2010/main" val="2947404321"/>
+      </p:ext>
+    </p:extLst>
+  </p:cSld>
+  <p:clrMapOvr>
+    <a:masterClrMapping/>
+  </p:clrMapOvr>
+</p:sld>
+</file>
+
+<file path=ppt/slides/slide37.xml><?xml version="1.0" encoding="utf-8"?>
+<p:sld xmlns:a="http://schemas.openxmlformats.org/drawingml/2006/main" xmlns:r="http://schemas.openxmlformats.org/officeDocument/2006/relationships" xmlns:p="http://schemas.openxmlformats.org/presentationml/2006/main">
+  <p:cSld>
+    <p:spTree>
+      <p:nvGrpSpPr>
+        <p:cNvPr id="1" name=""/>
+        <p:cNvGrpSpPr/>
+        <p:nvPr/>
+      </p:nvGrpSpPr>
+      <p:grpSpPr>
+        <a:xfrm>
+          <a:off x="0" y="0"/>
+          <a:ext cx="0" cy="0"/>
+          <a:chOff x="0" y="0"/>
+          <a:chExt cx="0" cy="0"/>
+        </a:xfrm>
+      </p:grpSpPr>
+    </p:spTree>
+    <p:extLst>
+      <p:ext uri="{BB962C8B-B14F-4D97-AF65-F5344CB8AC3E}">
+        <p14:creationId xmlns:p14="http://schemas.microsoft.com/office/powerpoint/2010/main" val="912982603"/>
+      </p:ext>
+    </p:extLst>
+  </p:cSld>
+  <p:clrMapOvr>
+    <a:masterClrMapping/>
+  </p:clrMapOvr>
+</p:sld>
+</file>
+
+<file path=ppt/slides/slide38.xml><?xml version="1.0" encoding="utf-8"?>
+<p:sld xmlns:a="http://schemas.openxmlformats.org/drawingml/2006/main" xmlns:r="http://schemas.openxmlformats.org/officeDocument/2006/relationships" xmlns:p="http://schemas.openxmlformats.org/presentationml/2006/main">
+  <p:cSld>
+    <p:spTree>
+      <p:nvGrpSpPr>
+        <p:cNvPr id="1" name=""/>
+        <p:cNvGrpSpPr/>
+        <p:nvPr/>
+      </p:nvGrpSpPr>
+      <p:grpSpPr>
+        <a:xfrm>
+          <a:off x="0" y="0"/>
+          <a:ext cx="0" cy="0"/>
+          <a:chOff x="0" y="0"/>
+          <a:chExt cx="0" cy="0"/>
+        </a:xfrm>
+      </p:grpSpPr>
+    </p:spTree>
+    <p:extLst>
+      <p:ext uri="{BB962C8B-B14F-4D97-AF65-F5344CB8AC3E}">
+        <p14:creationId xmlns:p14="http://schemas.microsoft.com/office/powerpoint/2010/main" val="883890012"/>
+      </p:ext>
+    </p:extLst>
+  </p:cSld>
+  <p:clrMapOvr>
+    <a:masterClrMapping/>
+  </p:clrMapOvr>
+</p:sld>
+</file>
+
+<file path=ppt/slides/slide39.xml><?xml version="1.0" encoding="utf-8"?>
+<p:sld xmlns:a="http://schemas.openxmlformats.org/drawingml/2006/main" xmlns:r="http://schemas.openxmlformats.org/officeDocument/2006/relationships" xmlns:p="http://schemas.openxmlformats.org/presentationml/2006/main">
+  <p:cSld>
+    <p:spTree>
+      <p:nvGrpSpPr>
+        <p:cNvPr id="1" name=""/>
+        <p:cNvGrpSpPr/>
+        <p:nvPr/>
+      </p:nvGrpSpPr>
+      <p:grpSpPr>
+        <a:xfrm>
+          <a:off x="0" y="0"/>
+          <a:ext cx="0" cy="0"/>
+          <a:chOff x="0" y="0"/>
+          <a:chExt cx="0" cy="0"/>
+        </a:xfrm>
+      </p:grpSpPr>
+    </p:spTree>
+    <p:extLst>
+      <p:ext uri="{BB962C8B-B14F-4D97-AF65-F5344CB8AC3E}">
+        <p14:creationId xmlns:p14="http://schemas.microsoft.com/office/powerpoint/2010/main" val="3031634717"/>
+      </p:ext>
+    </p:extLst>
+  </p:cSld>
+  <p:clrMapOvr>
+    <a:masterClrMapping/>
+  </p:clrMapOvr>
+</p:sld>
+</file>
+
 <file path=ppt/slides/slide4.xml><?xml version="1.0" encoding="utf-8"?>
 <p:sld xmlns:a="http://schemas.openxmlformats.org/drawingml/2006/main" xmlns:r="http://schemas.openxmlformats.org/officeDocument/2006/relationships" xmlns:p="http://schemas.openxmlformats.org/presentationml/2006/main">
   <p:cSld>
@@ -4357,6 +5497,458 @@
     <p:extLst>
       <p:ext uri="{BB962C8B-B14F-4D97-AF65-F5344CB8AC3E}">
         <p14:creationId xmlns:p14="http://schemas.microsoft.com/office/powerpoint/2010/main" val="1034473883"/>
+      </p:ext>
+    </p:extLst>
+  </p:cSld>
+  <p:clrMapOvr>
+    <a:masterClrMapping/>
+  </p:clrMapOvr>
+</p:sld>
+</file>
+
+<file path=ppt/slides/slide40.xml><?xml version="1.0" encoding="utf-8"?>
+<p:sld xmlns:a="http://schemas.openxmlformats.org/drawingml/2006/main" xmlns:r="http://schemas.openxmlformats.org/officeDocument/2006/relationships" xmlns:p="http://schemas.openxmlformats.org/presentationml/2006/main">
+  <p:cSld>
+    <p:spTree>
+      <p:nvGrpSpPr>
+        <p:cNvPr id="1" name=""/>
+        <p:cNvGrpSpPr/>
+        <p:nvPr/>
+      </p:nvGrpSpPr>
+      <p:grpSpPr>
+        <a:xfrm>
+          <a:off x="0" y="0"/>
+          <a:ext cx="0" cy="0"/>
+          <a:chOff x="0" y="0"/>
+          <a:chExt cx="0" cy="0"/>
+        </a:xfrm>
+      </p:grpSpPr>
+    </p:spTree>
+    <p:extLst>
+      <p:ext uri="{BB962C8B-B14F-4D97-AF65-F5344CB8AC3E}">
+        <p14:creationId xmlns:p14="http://schemas.microsoft.com/office/powerpoint/2010/main" val="1682334972"/>
+      </p:ext>
+    </p:extLst>
+  </p:cSld>
+  <p:clrMapOvr>
+    <a:masterClrMapping/>
+  </p:clrMapOvr>
+</p:sld>
+</file>
+
+<file path=ppt/slides/slide41.xml><?xml version="1.0" encoding="utf-8"?>
+<p:sld xmlns:a="http://schemas.openxmlformats.org/drawingml/2006/main" xmlns:r="http://schemas.openxmlformats.org/officeDocument/2006/relationships" xmlns:p="http://schemas.openxmlformats.org/presentationml/2006/main">
+  <p:cSld>
+    <p:spTree>
+      <p:nvGrpSpPr>
+        <p:cNvPr id="1" name=""/>
+        <p:cNvGrpSpPr/>
+        <p:nvPr/>
+      </p:nvGrpSpPr>
+      <p:grpSpPr>
+        <a:xfrm>
+          <a:off x="0" y="0"/>
+          <a:ext cx="0" cy="0"/>
+          <a:chOff x="0" y="0"/>
+          <a:chExt cx="0" cy="0"/>
+        </a:xfrm>
+      </p:grpSpPr>
+      <p:pic>
+        <p:nvPicPr>
+          <p:cNvPr id="2" name="图片 1">
+            <a:extLst>
+              <a:ext uri="{FF2B5EF4-FFF2-40B4-BE49-F238E27FC236}">
+                <a16:creationId xmlns:a16="http://schemas.microsoft.com/office/drawing/2014/main" id="{369B4305-F3D1-42B8-AEAF-AA6A7AA662F1}"/>
+              </a:ext>
+            </a:extLst>
+          </p:cNvPr>
+          <p:cNvPicPr>
+            <a:picLocks noChangeAspect="1"/>
+          </p:cNvPicPr>
+          <p:nvPr/>
+        </p:nvPicPr>
+        <p:blipFill>
+          <a:blip r:embed="rId2"/>
+          <a:stretch>
+            <a:fillRect/>
+          </a:stretch>
+        </p:blipFill>
+        <p:spPr>
+          <a:xfrm>
+            <a:off x="564608" y="461639"/>
+            <a:ext cx="11627392" cy="6237611"/>
+          </a:xfrm>
+          <a:prstGeom prst="rect">
+            <a:avLst/>
+          </a:prstGeom>
+        </p:spPr>
+      </p:pic>
+      <p:sp>
+        <p:nvSpPr>
+          <p:cNvPr id="4" name="文本框 3">
+            <a:extLst>
+              <a:ext uri="{FF2B5EF4-FFF2-40B4-BE49-F238E27FC236}">
+                <a16:creationId xmlns:a16="http://schemas.microsoft.com/office/drawing/2014/main" id="{D116196C-992F-4816-BC48-168CB3639B5E}"/>
+              </a:ext>
+            </a:extLst>
+          </p:cNvPr>
+          <p:cNvSpPr txBox="1"/>
+          <p:nvPr/>
+        </p:nvSpPr>
+        <p:spPr>
+          <a:xfrm>
+            <a:off x="0" y="0"/>
+            <a:ext cx="6094520" cy="369332"/>
+          </a:xfrm>
+          <a:prstGeom prst="rect">
+            <a:avLst/>
+          </a:prstGeom>
+          <a:noFill/>
+        </p:spPr>
+        <p:txBody>
+          <a:bodyPr wrap="square">
+            <a:spAutoFit/>
+          </a:bodyPr>
+          <a:lstStyle/>
+          <a:p>
+            <a:r>
+              <a:rPr lang="en-US" altLang="zh-CN" sz="1800" dirty="0">
+                <a:solidFill>
+                  <a:srgbClr val="000000"/>
+                </a:solidFill>
+                <a:latin typeface="新宋体" panose="02010609030101010101" pitchFamily="49" charset="-122"/>
+                <a:ea typeface="新宋体" panose="02010609030101010101" pitchFamily="49" charset="-122"/>
+              </a:rPr>
+              <a:t>41. First Missing Positive</a:t>
+            </a:r>
+            <a:endParaRPr lang="zh-CN" altLang="en-US" dirty="0"/>
+          </a:p>
+        </p:txBody>
+      </p:sp>
+    </p:spTree>
+    <p:extLst>
+      <p:ext uri="{BB962C8B-B14F-4D97-AF65-F5344CB8AC3E}">
+        <p14:creationId xmlns:p14="http://schemas.microsoft.com/office/powerpoint/2010/main" val="4220071764"/>
+      </p:ext>
+    </p:extLst>
+  </p:cSld>
+  <p:clrMapOvr>
+    <a:masterClrMapping/>
+  </p:clrMapOvr>
+</p:sld>
+</file>
+
+<file path=ppt/slides/slide42.xml><?xml version="1.0" encoding="utf-8"?>
+<p:sld xmlns:a="http://schemas.openxmlformats.org/drawingml/2006/main" xmlns:r="http://schemas.openxmlformats.org/officeDocument/2006/relationships" xmlns:p="http://schemas.openxmlformats.org/presentationml/2006/main">
+  <p:cSld>
+    <p:spTree>
+      <p:nvGrpSpPr>
+        <p:cNvPr id="1" name=""/>
+        <p:cNvGrpSpPr/>
+        <p:nvPr/>
+      </p:nvGrpSpPr>
+      <p:grpSpPr>
+        <a:xfrm>
+          <a:off x="0" y="0"/>
+          <a:ext cx="0" cy="0"/>
+          <a:chOff x="0" y="0"/>
+          <a:chExt cx="0" cy="0"/>
+        </a:xfrm>
+      </p:grpSpPr>
+      <p:pic>
+        <p:nvPicPr>
+          <p:cNvPr id="2" name="图片 1">
+            <a:extLst>
+              <a:ext uri="{FF2B5EF4-FFF2-40B4-BE49-F238E27FC236}">
+                <a16:creationId xmlns:a16="http://schemas.microsoft.com/office/drawing/2014/main" id="{4961F6D9-293D-4306-9E19-EFB3EF81D619}"/>
+              </a:ext>
+            </a:extLst>
+          </p:cNvPr>
+          <p:cNvPicPr>
+            <a:picLocks noChangeAspect="1"/>
+          </p:cNvPicPr>
+          <p:nvPr/>
+        </p:nvPicPr>
+        <p:blipFill>
+          <a:blip r:embed="rId2"/>
+          <a:stretch>
+            <a:fillRect/>
+          </a:stretch>
+        </p:blipFill>
+        <p:spPr>
+          <a:xfrm>
+            <a:off x="692458" y="530224"/>
+            <a:ext cx="11499542" cy="6169025"/>
+          </a:xfrm>
+          <a:prstGeom prst="rect">
+            <a:avLst/>
+          </a:prstGeom>
+        </p:spPr>
+      </p:pic>
+      <p:sp>
+        <p:nvSpPr>
+          <p:cNvPr id="4" name="文本框 3">
+            <a:extLst>
+              <a:ext uri="{FF2B5EF4-FFF2-40B4-BE49-F238E27FC236}">
+                <a16:creationId xmlns:a16="http://schemas.microsoft.com/office/drawing/2014/main" id="{8BE4CC7B-73F0-4387-B51B-25B27182E74E}"/>
+              </a:ext>
+            </a:extLst>
+          </p:cNvPr>
+          <p:cNvSpPr txBox="1"/>
+          <p:nvPr/>
+        </p:nvSpPr>
+        <p:spPr>
+          <a:xfrm>
+            <a:off x="1480" y="158751"/>
+            <a:ext cx="6094520" cy="369332"/>
+          </a:xfrm>
+          <a:prstGeom prst="rect">
+            <a:avLst/>
+          </a:prstGeom>
+          <a:noFill/>
+        </p:spPr>
+        <p:txBody>
+          <a:bodyPr wrap="square">
+            <a:spAutoFit/>
+          </a:bodyPr>
+          <a:lstStyle/>
+          <a:p>
+            <a:pPr algn="l"/>
+            <a:r>
+              <a:rPr lang="en-US" altLang="zh-CN" b="0" i="0" u="none" strike="noStrike">
+                <a:solidFill>
+                  <a:srgbClr val="262626"/>
+                </a:solidFill>
+                <a:effectLst/>
+                <a:latin typeface="-apple-system"/>
+                <a:hlinkClick r:id="rId3"/>
+              </a:rPr>
+              <a:t>42. Trapping Rain Water</a:t>
+            </a:r>
+            <a:endParaRPr lang="en-US" altLang="zh-CN" b="0" i="0">
+              <a:solidFill>
+                <a:srgbClr val="262626"/>
+              </a:solidFill>
+              <a:effectLst/>
+              <a:latin typeface="-apple-system"/>
+            </a:endParaRPr>
+          </a:p>
+        </p:txBody>
+      </p:sp>
+    </p:spTree>
+    <p:extLst>
+      <p:ext uri="{BB962C8B-B14F-4D97-AF65-F5344CB8AC3E}">
+        <p14:creationId xmlns:p14="http://schemas.microsoft.com/office/powerpoint/2010/main" val="2419770191"/>
+      </p:ext>
+    </p:extLst>
+  </p:cSld>
+  <p:clrMapOvr>
+    <a:masterClrMapping/>
+  </p:clrMapOvr>
+</p:sld>
+</file>
+
+<file path=ppt/slides/slide43.xml><?xml version="1.0" encoding="utf-8"?>
+<p:sld xmlns:a="http://schemas.openxmlformats.org/drawingml/2006/main" xmlns:r="http://schemas.openxmlformats.org/officeDocument/2006/relationships" xmlns:p="http://schemas.openxmlformats.org/presentationml/2006/main">
+  <p:cSld>
+    <p:spTree>
+      <p:nvGrpSpPr>
+        <p:cNvPr id="1" name=""/>
+        <p:cNvGrpSpPr/>
+        <p:nvPr/>
+      </p:nvGrpSpPr>
+      <p:grpSpPr>
+        <a:xfrm>
+          <a:off x="0" y="0"/>
+          <a:ext cx="0" cy="0"/>
+          <a:chOff x="0" y="0"/>
+          <a:chExt cx="0" cy="0"/>
+        </a:xfrm>
+      </p:grpSpPr>
+    </p:spTree>
+    <p:extLst>
+      <p:ext uri="{BB962C8B-B14F-4D97-AF65-F5344CB8AC3E}">
+        <p14:creationId xmlns:p14="http://schemas.microsoft.com/office/powerpoint/2010/main" val="3057095474"/>
+      </p:ext>
+    </p:extLst>
+  </p:cSld>
+  <p:clrMapOvr>
+    <a:masterClrMapping/>
+  </p:clrMapOvr>
+</p:sld>
+</file>
+
+<file path=ppt/slides/slide44.xml><?xml version="1.0" encoding="utf-8"?>
+<p:sld xmlns:a="http://schemas.openxmlformats.org/drawingml/2006/main" xmlns:r="http://schemas.openxmlformats.org/officeDocument/2006/relationships" xmlns:p="http://schemas.openxmlformats.org/presentationml/2006/main">
+  <p:cSld>
+    <p:spTree>
+      <p:nvGrpSpPr>
+        <p:cNvPr id="1" name=""/>
+        <p:cNvGrpSpPr/>
+        <p:nvPr/>
+      </p:nvGrpSpPr>
+      <p:grpSpPr>
+        <a:xfrm>
+          <a:off x="0" y="0"/>
+          <a:ext cx="0" cy="0"/>
+          <a:chOff x="0" y="0"/>
+          <a:chExt cx="0" cy="0"/>
+        </a:xfrm>
+      </p:grpSpPr>
+    </p:spTree>
+    <p:extLst>
+      <p:ext uri="{BB962C8B-B14F-4D97-AF65-F5344CB8AC3E}">
+        <p14:creationId xmlns:p14="http://schemas.microsoft.com/office/powerpoint/2010/main" val="1982961873"/>
+      </p:ext>
+    </p:extLst>
+  </p:cSld>
+  <p:clrMapOvr>
+    <a:masterClrMapping/>
+  </p:clrMapOvr>
+</p:sld>
+</file>
+
+<file path=ppt/slides/slide45.xml><?xml version="1.0" encoding="utf-8"?>
+<p:sld xmlns:a="http://schemas.openxmlformats.org/drawingml/2006/main" xmlns:r="http://schemas.openxmlformats.org/officeDocument/2006/relationships" xmlns:p="http://schemas.openxmlformats.org/presentationml/2006/main">
+  <p:cSld>
+    <p:spTree>
+      <p:nvGrpSpPr>
+        <p:cNvPr id="1" name=""/>
+        <p:cNvGrpSpPr/>
+        <p:nvPr/>
+      </p:nvGrpSpPr>
+      <p:grpSpPr>
+        <a:xfrm>
+          <a:off x="0" y="0"/>
+          <a:ext cx="0" cy="0"/>
+          <a:chOff x="0" y="0"/>
+          <a:chExt cx="0" cy="0"/>
+        </a:xfrm>
+      </p:grpSpPr>
+    </p:spTree>
+    <p:extLst>
+      <p:ext uri="{BB962C8B-B14F-4D97-AF65-F5344CB8AC3E}">
+        <p14:creationId xmlns:p14="http://schemas.microsoft.com/office/powerpoint/2010/main" val="3378553638"/>
+      </p:ext>
+    </p:extLst>
+  </p:cSld>
+  <p:clrMapOvr>
+    <a:masterClrMapping/>
+  </p:clrMapOvr>
+</p:sld>
+</file>
+
+<file path=ppt/slides/slide46.xml><?xml version="1.0" encoding="utf-8"?>
+<p:sld xmlns:a="http://schemas.openxmlformats.org/drawingml/2006/main" xmlns:r="http://schemas.openxmlformats.org/officeDocument/2006/relationships" xmlns:p="http://schemas.openxmlformats.org/presentationml/2006/main">
+  <p:cSld>
+    <p:spTree>
+      <p:nvGrpSpPr>
+        <p:cNvPr id="1" name=""/>
+        <p:cNvGrpSpPr/>
+        <p:nvPr/>
+      </p:nvGrpSpPr>
+      <p:grpSpPr>
+        <a:xfrm>
+          <a:off x="0" y="0"/>
+          <a:ext cx="0" cy="0"/>
+          <a:chOff x="0" y="0"/>
+          <a:chExt cx="0" cy="0"/>
+        </a:xfrm>
+      </p:grpSpPr>
+    </p:spTree>
+    <p:extLst>
+      <p:ext uri="{BB962C8B-B14F-4D97-AF65-F5344CB8AC3E}">
+        <p14:creationId xmlns:p14="http://schemas.microsoft.com/office/powerpoint/2010/main" val="97497346"/>
+      </p:ext>
+    </p:extLst>
+  </p:cSld>
+  <p:clrMapOvr>
+    <a:masterClrMapping/>
+  </p:clrMapOvr>
+</p:sld>
+</file>
+
+<file path=ppt/slides/slide47.xml><?xml version="1.0" encoding="utf-8"?>
+<p:sld xmlns:a="http://schemas.openxmlformats.org/drawingml/2006/main" xmlns:r="http://schemas.openxmlformats.org/officeDocument/2006/relationships" xmlns:p="http://schemas.openxmlformats.org/presentationml/2006/main">
+  <p:cSld>
+    <p:spTree>
+      <p:nvGrpSpPr>
+        <p:cNvPr id="1" name=""/>
+        <p:cNvGrpSpPr/>
+        <p:nvPr/>
+      </p:nvGrpSpPr>
+      <p:grpSpPr>
+        <a:xfrm>
+          <a:off x="0" y="0"/>
+          <a:ext cx="0" cy="0"/>
+          <a:chOff x="0" y="0"/>
+          <a:chExt cx="0" cy="0"/>
+        </a:xfrm>
+      </p:grpSpPr>
+    </p:spTree>
+    <p:extLst>
+      <p:ext uri="{BB962C8B-B14F-4D97-AF65-F5344CB8AC3E}">
+        <p14:creationId xmlns:p14="http://schemas.microsoft.com/office/powerpoint/2010/main" val="3913440215"/>
+      </p:ext>
+    </p:extLst>
+  </p:cSld>
+  <p:clrMapOvr>
+    <a:masterClrMapping/>
+  </p:clrMapOvr>
+</p:sld>
+</file>
+
+<file path=ppt/slides/slide48.xml><?xml version="1.0" encoding="utf-8"?>
+<p:sld xmlns:a="http://schemas.openxmlformats.org/drawingml/2006/main" xmlns:r="http://schemas.openxmlformats.org/officeDocument/2006/relationships" xmlns:p="http://schemas.openxmlformats.org/presentationml/2006/main">
+  <p:cSld>
+    <p:spTree>
+      <p:nvGrpSpPr>
+        <p:cNvPr id="1" name=""/>
+        <p:cNvGrpSpPr/>
+        <p:nvPr/>
+      </p:nvGrpSpPr>
+      <p:grpSpPr>
+        <a:xfrm>
+          <a:off x="0" y="0"/>
+          <a:ext cx="0" cy="0"/>
+          <a:chOff x="0" y="0"/>
+          <a:chExt cx="0" cy="0"/>
+        </a:xfrm>
+      </p:grpSpPr>
+    </p:spTree>
+    <p:extLst>
+      <p:ext uri="{BB962C8B-B14F-4D97-AF65-F5344CB8AC3E}">
+        <p14:creationId xmlns:p14="http://schemas.microsoft.com/office/powerpoint/2010/main" val="2979535580"/>
+      </p:ext>
+    </p:extLst>
+  </p:cSld>
+  <p:clrMapOvr>
+    <a:masterClrMapping/>
+  </p:clrMapOvr>
+</p:sld>
+</file>
+
+<file path=ppt/slides/slide49.xml><?xml version="1.0" encoding="utf-8"?>
+<p:sld xmlns:a="http://schemas.openxmlformats.org/drawingml/2006/main" xmlns:r="http://schemas.openxmlformats.org/officeDocument/2006/relationships" xmlns:p="http://schemas.openxmlformats.org/presentationml/2006/main">
+  <p:cSld>
+    <p:spTree>
+      <p:nvGrpSpPr>
+        <p:cNvPr id="1" name=""/>
+        <p:cNvGrpSpPr/>
+        <p:nvPr/>
+      </p:nvGrpSpPr>
+      <p:grpSpPr>
+        <a:xfrm>
+          <a:off x="0" y="0"/>
+          <a:ext cx="0" cy="0"/>
+          <a:chOff x="0" y="0"/>
+          <a:chExt cx="0" cy="0"/>
+        </a:xfrm>
+      </p:grpSpPr>
+    </p:spTree>
+    <p:extLst>
+      <p:ext uri="{BB962C8B-B14F-4D97-AF65-F5344CB8AC3E}">
+        <p14:creationId xmlns:p14="http://schemas.microsoft.com/office/powerpoint/2010/main" val="2346976833"/>
       </p:ext>
     </p:extLst>
   </p:cSld>
@@ -4476,6 +6068,386 @@
 </p:sld>
 </file>
 
+<file path=ppt/slides/slide50.xml><?xml version="1.0" encoding="utf-8"?>
+<p:sld xmlns:a="http://schemas.openxmlformats.org/drawingml/2006/main" xmlns:r="http://schemas.openxmlformats.org/officeDocument/2006/relationships" xmlns:p="http://schemas.openxmlformats.org/presentationml/2006/main">
+  <p:cSld>
+    <p:spTree>
+      <p:nvGrpSpPr>
+        <p:cNvPr id="1" name=""/>
+        <p:cNvGrpSpPr/>
+        <p:nvPr/>
+      </p:nvGrpSpPr>
+      <p:grpSpPr>
+        <a:xfrm>
+          <a:off x="0" y="0"/>
+          <a:ext cx="0" cy="0"/>
+          <a:chOff x="0" y="0"/>
+          <a:chExt cx="0" cy="0"/>
+        </a:xfrm>
+      </p:grpSpPr>
+    </p:spTree>
+    <p:extLst>
+      <p:ext uri="{BB962C8B-B14F-4D97-AF65-F5344CB8AC3E}">
+        <p14:creationId xmlns:p14="http://schemas.microsoft.com/office/powerpoint/2010/main" val="3280689974"/>
+      </p:ext>
+    </p:extLst>
+  </p:cSld>
+  <p:clrMapOvr>
+    <a:masterClrMapping/>
+  </p:clrMapOvr>
+</p:sld>
+</file>
+
+<file path=ppt/slides/slide51.xml><?xml version="1.0" encoding="utf-8"?>
+<p:sld xmlns:a="http://schemas.openxmlformats.org/drawingml/2006/main" xmlns:r="http://schemas.openxmlformats.org/officeDocument/2006/relationships" xmlns:p="http://schemas.openxmlformats.org/presentationml/2006/main">
+  <p:cSld>
+    <p:spTree>
+      <p:nvGrpSpPr>
+        <p:cNvPr id="1" name=""/>
+        <p:cNvGrpSpPr/>
+        <p:nvPr/>
+      </p:nvGrpSpPr>
+      <p:grpSpPr>
+        <a:xfrm>
+          <a:off x="0" y="0"/>
+          <a:ext cx="0" cy="0"/>
+          <a:chOff x="0" y="0"/>
+          <a:chExt cx="0" cy="0"/>
+        </a:xfrm>
+      </p:grpSpPr>
+    </p:spTree>
+    <p:extLst>
+      <p:ext uri="{BB962C8B-B14F-4D97-AF65-F5344CB8AC3E}">
+        <p14:creationId xmlns:p14="http://schemas.microsoft.com/office/powerpoint/2010/main" val="1770364039"/>
+      </p:ext>
+    </p:extLst>
+  </p:cSld>
+  <p:clrMapOvr>
+    <a:masterClrMapping/>
+  </p:clrMapOvr>
+</p:sld>
+</file>
+
+<file path=ppt/slides/slide52.xml><?xml version="1.0" encoding="utf-8"?>
+<p:sld xmlns:a="http://schemas.openxmlformats.org/drawingml/2006/main" xmlns:r="http://schemas.openxmlformats.org/officeDocument/2006/relationships" xmlns:p="http://schemas.openxmlformats.org/presentationml/2006/main">
+  <p:cSld>
+    <p:spTree>
+      <p:nvGrpSpPr>
+        <p:cNvPr id="1" name=""/>
+        <p:cNvGrpSpPr/>
+        <p:nvPr/>
+      </p:nvGrpSpPr>
+      <p:grpSpPr>
+        <a:xfrm>
+          <a:off x="0" y="0"/>
+          <a:ext cx="0" cy="0"/>
+          <a:chOff x="0" y="0"/>
+          <a:chExt cx="0" cy="0"/>
+        </a:xfrm>
+      </p:grpSpPr>
+    </p:spTree>
+    <p:extLst>
+      <p:ext uri="{BB962C8B-B14F-4D97-AF65-F5344CB8AC3E}">
+        <p14:creationId xmlns:p14="http://schemas.microsoft.com/office/powerpoint/2010/main" val="3818910235"/>
+      </p:ext>
+    </p:extLst>
+  </p:cSld>
+  <p:clrMapOvr>
+    <a:masterClrMapping/>
+  </p:clrMapOvr>
+</p:sld>
+</file>
+
+<file path=ppt/slides/slide53.xml><?xml version="1.0" encoding="utf-8"?>
+<p:sld xmlns:a="http://schemas.openxmlformats.org/drawingml/2006/main" xmlns:r="http://schemas.openxmlformats.org/officeDocument/2006/relationships" xmlns:p="http://schemas.openxmlformats.org/presentationml/2006/main">
+  <p:cSld>
+    <p:spTree>
+      <p:nvGrpSpPr>
+        <p:cNvPr id="1" name=""/>
+        <p:cNvGrpSpPr/>
+        <p:nvPr/>
+      </p:nvGrpSpPr>
+      <p:grpSpPr>
+        <a:xfrm>
+          <a:off x="0" y="0"/>
+          <a:ext cx="0" cy="0"/>
+          <a:chOff x="0" y="0"/>
+          <a:chExt cx="0" cy="0"/>
+        </a:xfrm>
+      </p:grpSpPr>
+    </p:spTree>
+    <p:extLst>
+      <p:ext uri="{BB962C8B-B14F-4D97-AF65-F5344CB8AC3E}">
+        <p14:creationId xmlns:p14="http://schemas.microsoft.com/office/powerpoint/2010/main" val="4204361441"/>
+      </p:ext>
+    </p:extLst>
+  </p:cSld>
+  <p:clrMapOvr>
+    <a:masterClrMapping/>
+  </p:clrMapOvr>
+</p:sld>
+</file>
+
+<file path=ppt/slides/slide54.xml><?xml version="1.0" encoding="utf-8"?>
+<p:sld xmlns:a="http://schemas.openxmlformats.org/drawingml/2006/main" xmlns:r="http://schemas.openxmlformats.org/officeDocument/2006/relationships" xmlns:p="http://schemas.openxmlformats.org/presentationml/2006/main">
+  <p:cSld>
+    <p:spTree>
+      <p:nvGrpSpPr>
+        <p:cNvPr id="1" name=""/>
+        <p:cNvGrpSpPr/>
+        <p:nvPr/>
+      </p:nvGrpSpPr>
+      <p:grpSpPr>
+        <a:xfrm>
+          <a:off x="0" y="0"/>
+          <a:ext cx="0" cy="0"/>
+          <a:chOff x="0" y="0"/>
+          <a:chExt cx="0" cy="0"/>
+        </a:xfrm>
+      </p:grpSpPr>
+    </p:spTree>
+    <p:extLst>
+      <p:ext uri="{BB962C8B-B14F-4D97-AF65-F5344CB8AC3E}">
+        <p14:creationId xmlns:p14="http://schemas.microsoft.com/office/powerpoint/2010/main" val="2180383775"/>
+      </p:ext>
+    </p:extLst>
+  </p:cSld>
+  <p:clrMapOvr>
+    <a:masterClrMapping/>
+  </p:clrMapOvr>
+</p:sld>
+</file>
+
+<file path=ppt/slides/slide55.xml><?xml version="1.0" encoding="utf-8"?>
+<p:sld xmlns:a="http://schemas.openxmlformats.org/drawingml/2006/main" xmlns:r="http://schemas.openxmlformats.org/officeDocument/2006/relationships" xmlns:p="http://schemas.openxmlformats.org/presentationml/2006/main">
+  <p:cSld>
+    <p:spTree>
+      <p:nvGrpSpPr>
+        <p:cNvPr id="1" name=""/>
+        <p:cNvGrpSpPr/>
+        <p:nvPr/>
+      </p:nvGrpSpPr>
+      <p:grpSpPr>
+        <a:xfrm>
+          <a:off x="0" y="0"/>
+          <a:ext cx="0" cy="0"/>
+          <a:chOff x="0" y="0"/>
+          <a:chExt cx="0" cy="0"/>
+        </a:xfrm>
+      </p:grpSpPr>
+    </p:spTree>
+    <p:extLst>
+      <p:ext uri="{BB962C8B-B14F-4D97-AF65-F5344CB8AC3E}">
+        <p14:creationId xmlns:p14="http://schemas.microsoft.com/office/powerpoint/2010/main" val="2647027866"/>
+      </p:ext>
+    </p:extLst>
+  </p:cSld>
+  <p:clrMapOvr>
+    <a:masterClrMapping/>
+  </p:clrMapOvr>
+</p:sld>
+</file>
+
+<file path=ppt/slides/slide56.xml><?xml version="1.0" encoding="utf-8"?>
+<p:sld xmlns:a="http://schemas.openxmlformats.org/drawingml/2006/main" xmlns:r="http://schemas.openxmlformats.org/officeDocument/2006/relationships" xmlns:p="http://schemas.openxmlformats.org/presentationml/2006/main">
+  <p:cSld>
+    <p:spTree>
+      <p:nvGrpSpPr>
+        <p:cNvPr id="1" name=""/>
+        <p:cNvGrpSpPr/>
+        <p:nvPr/>
+      </p:nvGrpSpPr>
+      <p:grpSpPr>
+        <a:xfrm>
+          <a:off x="0" y="0"/>
+          <a:ext cx="0" cy="0"/>
+          <a:chOff x="0" y="0"/>
+          <a:chExt cx="0" cy="0"/>
+        </a:xfrm>
+      </p:grpSpPr>
+    </p:spTree>
+    <p:extLst>
+      <p:ext uri="{BB962C8B-B14F-4D97-AF65-F5344CB8AC3E}">
+        <p14:creationId xmlns:p14="http://schemas.microsoft.com/office/powerpoint/2010/main" val="2701074389"/>
+      </p:ext>
+    </p:extLst>
+  </p:cSld>
+  <p:clrMapOvr>
+    <a:masterClrMapping/>
+  </p:clrMapOvr>
+</p:sld>
+</file>
+
+<file path=ppt/slides/slide57.xml><?xml version="1.0" encoding="utf-8"?>
+<p:sld xmlns:a="http://schemas.openxmlformats.org/drawingml/2006/main" xmlns:r="http://schemas.openxmlformats.org/officeDocument/2006/relationships" xmlns:p="http://schemas.openxmlformats.org/presentationml/2006/main">
+  <p:cSld>
+    <p:spTree>
+      <p:nvGrpSpPr>
+        <p:cNvPr id="1" name=""/>
+        <p:cNvGrpSpPr/>
+        <p:nvPr/>
+      </p:nvGrpSpPr>
+      <p:grpSpPr>
+        <a:xfrm>
+          <a:off x="0" y="0"/>
+          <a:ext cx="0" cy="0"/>
+          <a:chOff x="0" y="0"/>
+          <a:chExt cx="0" cy="0"/>
+        </a:xfrm>
+      </p:grpSpPr>
+    </p:spTree>
+    <p:extLst>
+      <p:ext uri="{BB962C8B-B14F-4D97-AF65-F5344CB8AC3E}">
+        <p14:creationId xmlns:p14="http://schemas.microsoft.com/office/powerpoint/2010/main" val="2954097626"/>
+      </p:ext>
+    </p:extLst>
+  </p:cSld>
+  <p:clrMapOvr>
+    <a:masterClrMapping/>
+  </p:clrMapOvr>
+</p:sld>
+</file>
+
+<file path=ppt/slides/slide58.xml><?xml version="1.0" encoding="utf-8"?>
+<p:sld xmlns:a="http://schemas.openxmlformats.org/drawingml/2006/main" xmlns:r="http://schemas.openxmlformats.org/officeDocument/2006/relationships" xmlns:p="http://schemas.openxmlformats.org/presentationml/2006/main">
+  <p:cSld>
+    <p:spTree>
+      <p:nvGrpSpPr>
+        <p:cNvPr id="1" name=""/>
+        <p:cNvGrpSpPr/>
+        <p:nvPr/>
+      </p:nvGrpSpPr>
+      <p:grpSpPr>
+        <a:xfrm>
+          <a:off x="0" y="0"/>
+          <a:ext cx="0" cy="0"/>
+          <a:chOff x="0" y="0"/>
+          <a:chExt cx="0" cy="0"/>
+        </a:xfrm>
+      </p:grpSpPr>
+      <p:pic>
+        <p:nvPicPr>
+          <p:cNvPr id="2" name="图片 1">
+            <a:extLst>
+              <a:ext uri="{FF2B5EF4-FFF2-40B4-BE49-F238E27FC236}">
+                <a16:creationId xmlns:a16="http://schemas.microsoft.com/office/drawing/2014/main" id="{948083C7-FAA6-4738-97A1-91D96E0ADEE1}"/>
+              </a:ext>
+            </a:extLst>
+          </p:cNvPr>
+          <p:cNvPicPr>
+            <a:picLocks noChangeAspect="1"/>
+          </p:cNvPicPr>
+          <p:nvPr/>
+        </p:nvPicPr>
+        <p:blipFill>
+          <a:blip r:embed="rId2"/>
+          <a:stretch>
+            <a:fillRect/>
+          </a:stretch>
+        </p:blipFill>
+        <p:spPr>
+          <a:xfrm>
+            <a:off x="852256" y="615950"/>
+            <a:ext cx="11339744" cy="6083300"/>
+          </a:xfrm>
+          <a:prstGeom prst="rect">
+            <a:avLst/>
+          </a:prstGeom>
+        </p:spPr>
+      </p:pic>
+      <p:sp>
+        <p:nvSpPr>
+          <p:cNvPr id="4" name="文本框 3">
+            <a:extLst>
+              <a:ext uri="{FF2B5EF4-FFF2-40B4-BE49-F238E27FC236}">
+                <a16:creationId xmlns:a16="http://schemas.microsoft.com/office/drawing/2014/main" id="{AC529F19-D362-4073-92D8-F5EBCAF5C420}"/>
+              </a:ext>
+            </a:extLst>
+          </p:cNvPr>
+          <p:cNvSpPr txBox="1"/>
+          <p:nvPr/>
+        </p:nvSpPr>
+        <p:spPr>
+          <a:xfrm>
+            <a:off x="0" y="158750"/>
+            <a:ext cx="6094520" cy="369332"/>
+          </a:xfrm>
+          <a:prstGeom prst="rect">
+            <a:avLst/>
+          </a:prstGeom>
+          <a:noFill/>
+        </p:spPr>
+        <p:txBody>
+          <a:bodyPr wrap="square">
+            <a:spAutoFit/>
+          </a:bodyPr>
+          <a:lstStyle/>
+          <a:p>
+            <a:pPr algn="l"/>
+            <a:r>
+              <a:rPr lang="en-US" altLang="zh-CN" b="0" i="0" u="none" strike="noStrike">
+                <a:solidFill>
+                  <a:srgbClr val="262626"/>
+                </a:solidFill>
+                <a:effectLst/>
+                <a:latin typeface="-apple-system"/>
+                <a:hlinkClick r:id="rId3"/>
+              </a:rPr>
+              <a:t>58. Length of Last Word</a:t>
+            </a:r>
+            <a:endParaRPr lang="en-US" altLang="zh-CN" b="0" i="0">
+              <a:solidFill>
+                <a:srgbClr val="262626"/>
+              </a:solidFill>
+              <a:effectLst/>
+              <a:latin typeface="-apple-system"/>
+            </a:endParaRPr>
+          </a:p>
+        </p:txBody>
+      </p:sp>
+    </p:spTree>
+    <p:extLst>
+      <p:ext uri="{BB962C8B-B14F-4D97-AF65-F5344CB8AC3E}">
+        <p14:creationId xmlns:p14="http://schemas.microsoft.com/office/powerpoint/2010/main" val="1900469854"/>
+      </p:ext>
+    </p:extLst>
+  </p:cSld>
+  <p:clrMapOvr>
+    <a:masterClrMapping/>
+  </p:clrMapOvr>
+</p:sld>
+</file>
+
+<file path=ppt/slides/slide59.xml><?xml version="1.0" encoding="utf-8"?>
+<p:sld xmlns:a="http://schemas.openxmlformats.org/drawingml/2006/main" xmlns:r="http://schemas.openxmlformats.org/officeDocument/2006/relationships" xmlns:p="http://schemas.openxmlformats.org/presentationml/2006/main">
+  <p:cSld>
+    <p:spTree>
+      <p:nvGrpSpPr>
+        <p:cNvPr id="1" name=""/>
+        <p:cNvGrpSpPr/>
+        <p:nvPr/>
+      </p:nvGrpSpPr>
+      <p:grpSpPr>
+        <a:xfrm>
+          <a:off x="0" y="0"/>
+          <a:ext cx="0" cy="0"/>
+          <a:chOff x="0" y="0"/>
+          <a:chExt cx="0" cy="0"/>
+        </a:xfrm>
+      </p:grpSpPr>
+    </p:spTree>
+    <p:extLst>
+      <p:ext uri="{BB962C8B-B14F-4D97-AF65-F5344CB8AC3E}">
+        <p14:creationId xmlns:p14="http://schemas.microsoft.com/office/powerpoint/2010/main" val="1765271801"/>
+      </p:ext>
+    </p:extLst>
+  </p:cSld>
+  <p:clrMapOvr>
+    <a:masterClrMapping/>
+  </p:clrMapOvr>
+</p:sld>
+</file>
+
 <file path=ppt/slides/slide6.xml><?xml version="1.0" encoding="utf-8"?>
 <p:sld xmlns:a="http://schemas.openxmlformats.org/drawingml/2006/main" xmlns:r="http://schemas.openxmlformats.org/officeDocument/2006/relationships" xmlns:p="http://schemas.openxmlformats.org/presentationml/2006/main">
   <p:cSld>
@@ -4599,6 +6571,538 @@
     <p:extLst>
       <p:ext uri="{BB962C8B-B14F-4D97-AF65-F5344CB8AC3E}">
         <p14:creationId xmlns:p14="http://schemas.microsoft.com/office/powerpoint/2010/main" val="2696024446"/>
+      </p:ext>
+    </p:extLst>
+  </p:cSld>
+  <p:clrMapOvr>
+    <a:masterClrMapping/>
+  </p:clrMapOvr>
+</p:sld>
+</file>
+
+<file path=ppt/slides/slide60.xml><?xml version="1.0" encoding="utf-8"?>
+<p:sld xmlns:a="http://schemas.openxmlformats.org/drawingml/2006/main" xmlns:r="http://schemas.openxmlformats.org/officeDocument/2006/relationships" xmlns:p="http://schemas.openxmlformats.org/presentationml/2006/main">
+  <p:cSld>
+    <p:spTree>
+      <p:nvGrpSpPr>
+        <p:cNvPr id="1" name=""/>
+        <p:cNvGrpSpPr/>
+        <p:nvPr/>
+      </p:nvGrpSpPr>
+      <p:grpSpPr>
+        <a:xfrm>
+          <a:off x="0" y="0"/>
+          <a:ext cx="0" cy="0"/>
+          <a:chOff x="0" y="0"/>
+          <a:chExt cx="0" cy="0"/>
+        </a:xfrm>
+      </p:grpSpPr>
+    </p:spTree>
+    <p:extLst>
+      <p:ext uri="{BB962C8B-B14F-4D97-AF65-F5344CB8AC3E}">
+        <p14:creationId xmlns:p14="http://schemas.microsoft.com/office/powerpoint/2010/main" val="1655795008"/>
+      </p:ext>
+    </p:extLst>
+  </p:cSld>
+  <p:clrMapOvr>
+    <a:masterClrMapping/>
+  </p:clrMapOvr>
+</p:sld>
+</file>
+
+<file path=ppt/slides/slide61.xml><?xml version="1.0" encoding="utf-8"?>
+<p:sld xmlns:a="http://schemas.openxmlformats.org/drawingml/2006/main" xmlns:r="http://schemas.openxmlformats.org/officeDocument/2006/relationships" xmlns:p="http://schemas.openxmlformats.org/presentationml/2006/main">
+  <p:cSld>
+    <p:spTree>
+      <p:nvGrpSpPr>
+        <p:cNvPr id="1" name=""/>
+        <p:cNvGrpSpPr/>
+        <p:nvPr/>
+      </p:nvGrpSpPr>
+      <p:grpSpPr>
+        <a:xfrm>
+          <a:off x="0" y="0"/>
+          <a:ext cx="0" cy="0"/>
+          <a:chOff x="0" y="0"/>
+          <a:chExt cx="0" cy="0"/>
+        </a:xfrm>
+      </p:grpSpPr>
+    </p:spTree>
+    <p:extLst>
+      <p:ext uri="{BB962C8B-B14F-4D97-AF65-F5344CB8AC3E}">
+        <p14:creationId xmlns:p14="http://schemas.microsoft.com/office/powerpoint/2010/main" val="2525925209"/>
+      </p:ext>
+    </p:extLst>
+  </p:cSld>
+  <p:clrMapOvr>
+    <a:masterClrMapping/>
+  </p:clrMapOvr>
+</p:sld>
+</file>
+
+<file path=ppt/slides/slide62.xml><?xml version="1.0" encoding="utf-8"?>
+<p:sld xmlns:a="http://schemas.openxmlformats.org/drawingml/2006/main" xmlns:r="http://schemas.openxmlformats.org/officeDocument/2006/relationships" xmlns:p="http://schemas.openxmlformats.org/presentationml/2006/main">
+  <p:cSld>
+    <p:spTree>
+      <p:nvGrpSpPr>
+        <p:cNvPr id="1" name=""/>
+        <p:cNvGrpSpPr/>
+        <p:nvPr/>
+      </p:nvGrpSpPr>
+      <p:grpSpPr>
+        <a:xfrm>
+          <a:off x="0" y="0"/>
+          <a:ext cx="0" cy="0"/>
+          <a:chOff x="0" y="0"/>
+          <a:chExt cx="0" cy="0"/>
+        </a:xfrm>
+      </p:grpSpPr>
+    </p:spTree>
+    <p:extLst>
+      <p:ext uri="{BB962C8B-B14F-4D97-AF65-F5344CB8AC3E}">
+        <p14:creationId xmlns:p14="http://schemas.microsoft.com/office/powerpoint/2010/main" val="2962647807"/>
+      </p:ext>
+    </p:extLst>
+  </p:cSld>
+  <p:clrMapOvr>
+    <a:masterClrMapping/>
+  </p:clrMapOvr>
+</p:sld>
+</file>
+
+<file path=ppt/slides/slide63.xml><?xml version="1.0" encoding="utf-8"?>
+<p:sld xmlns:a="http://schemas.openxmlformats.org/drawingml/2006/main" xmlns:r="http://schemas.openxmlformats.org/officeDocument/2006/relationships" xmlns:p="http://schemas.openxmlformats.org/presentationml/2006/main">
+  <p:cSld>
+    <p:spTree>
+      <p:nvGrpSpPr>
+        <p:cNvPr id="1" name=""/>
+        <p:cNvGrpSpPr/>
+        <p:nvPr/>
+      </p:nvGrpSpPr>
+      <p:grpSpPr>
+        <a:xfrm>
+          <a:off x="0" y="0"/>
+          <a:ext cx="0" cy="0"/>
+          <a:chOff x="0" y="0"/>
+          <a:chExt cx="0" cy="0"/>
+        </a:xfrm>
+      </p:grpSpPr>
+    </p:spTree>
+    <p:extLst>
+      <p:ext uri="{BB962C8B-B14F-4D97-AF65-F5344CB8AC3E}">
+        <p14:creationId xmlns:p14="http://schemas.microsoft.com/office/powerpoint/2010/main" val="2800059783"/>
+      </p:ext>
+    </p:extLst>
+  </p:cSld>
+  <p:clrMapOvr>
+    <a:masterClrMapping/>
+  </p:clrMapOvr>
+</p:sld>
+</file>
+
+<file path=ppt/slides/slide64.xml><?xml version="1.0" encoding="utf-8"?>
+<p:sld xmlns:a="http://schemas.openxmlformats.org/drawingml/2006/main" xmlns:r="http://schemas.openxmlformats.org/officeDocument/2006/relationships" xmlns:p="http://schemas.openxmlformats.org/presentationml/2006/main">
+  <p:cSld>
+    <p:spTree>
+      <p:nvGrpSpPr>
+        <p:cNvPr id="1" name=""/>
+        <p:cNvGrpSpPr/>
+        <p:nvPr/>
+      </p:nvGrpSpPr>
+      <p:grpSpPr>
+        <a:xfrm>
+          <a:off x="0" y="0"/>
+          <a:ext cx="0" cy="0"/>
+          <a:chOff x="0" y="0"/>
+          <a:chExt cx="0" cy="0"/>
+        </a:xfrm>
+      </p:grpSpPr>
+    </p:spTree>
+    <p:extLst>
+      <p:ext uri="{BB962C8B-B14F-4D97-AF65-F5344CB8AC3E}">
+        <p14:creationId xmlns:p14="http://schemas.microsoft.com/office/powerpoint/2010/main" val="3703226243"/>
+      </p:ext>
+    </p:extLst>
+  </p:cSld>
+  <p:clrMapOvr>
+    <a:masterClrMapping/>
+  </p:clrMapOvr>
+</p:sld>
+</file>
+
+<file path=ppt/slides/slide65.xml><?xml version="1.0" encoding="utf-8"?>
+<p:sld xmlns:a="http://schemas.openxmlformats.org/drawingml/2006/main" xmlns:r="http://schemas.openxmlformats.org/officeDocument/2006/relationships" xmlns:p="http://schemas.openxmlformats.org/presentationml/2006/main">
+  <p:cSld>
+    <p:spTree>
+      <p:nvGrpSpPr>
+        <p:cNvPr id="1" name=""/>
+        <p:cNvGrpSpPr/>
+        <p:nvPr/>
+      </p:nvGrpSpPr>
+      <p:grpSpPr>
+        <a:xfrm>
+          <a:off x="0" y="0"/>
+          <a:ext cx="0" cy="0"/>
+          <a:chOff x="0" y="0"/>
+          <a:chExt cx="0" cy="0"/>
+        </a:xfrm>
+      </p:grpSpPr>
+    </p:spTree>
+    <p:extLst>
+      <p:ext uri="{BB962C8B-B14F-4D97-AF65-F5344CB8AC3E}">
+        <p14:creationId xmlns:p14="http://schemas.microsoft.com/office/powerpoint/2010/main" val="3383410932"/>
+      </p:ext>
+    </p:extLst>
+  </p:cSld>
+  <p:clrMapOvr>
+    <a:masterClrMapping/>
+  </p:clrMapOvr>
+</p:sld>
+</file>
+
+<file path=ppt/slides/slide66.xml><?xml version="1.0" encoding="utf-8"?>
+<p:sld xmlns:a="http://schemas.openxmlformats.org/drawingml/2006/main" xmlns:r="http://schemas.openxmlformats.org/officeDocument/2006/relationships" xmlns:p="http://schemas.openxmlformats.org/presentationml/2006/main">
+  <p:cSld>
+    <p:spTree>
+      <p:nvGrpSpPr>
+        <p:cNvPr id="1" name=""/>
+        <p:cNvGrpSpPr/>
+        <p:nvPr/>
+      </p:nvGrpSpPr>
+      <p:grpSpPr>
+        <a:xfrm>
+          <a:off x="0" y="0"/>
+          <a:ext cx="0" cy="0"/>
+          <a:chOff x="0" y="0"/>
+          <a:chExt cx="0" cy="0"/>
+        </a:xfrm>
+      </p:grpSpPr>
+      <p:pic>
+        <p:nvPicPr>
+          <p:cNvPr id="2" name="图片 1">
+            <a:extLst>
+              <a:ext uri="{FF2B5EF4-FFF2-40B4-BE49-F238E27FC236}">
+                <a16:creationId xmlns:a16="http://schemas.microsoft.com/office/drawing/2014/main" id="{E9095246-EF8A-4527-8EBB-1812AF73F8B9}"/>
+              </a:ext>
+            </a:extLst>
+          </p:cNvPr>
+          <p:cNvPicPr>
+            <a:picLocks noChangeAspect="1"/>
+          </p:cNvPicPr>
+          <p:nvPr/>
+        </p:nvPicPr>
+        <p:blipFill>
+          <a:blip r:embed="rId2"/>
+          <a:stretch>
+            <a:fillRect/>
+          </a:stretch>
+        </p:blipFill>
+        <p:spPr>
+          <a:xfrm>
+            <a:off x="594804" y="477838"/>
+            <a:ext cx="11597196" cy="6221412"/>
+          </a:xfrm>
+          <a:prstGeom prst="rect">
+            <a:avLst/>
+          </a:prstGeom>
+        </p:spPr>
+      </p:pic>
+      <p:sp>
+        <p:nvSpPr>
+          <p:cNvPr id="5" name="文本框 4">
+            <a:extLst>
+              <a:ext uri="{FF2B5EF4-FFF2-40B4-BE49-F238E27FC236}">
+                <a16:creationId xmlns:a16="http://schemas.microsoft.com/office/drawing/2014/main" id="{8A309651-2DCC-42F3-9F14-802350571180}"/>
+              </a:ext>
+            </a:extLst>
+          </p:cNvPr>
+          <p:cNvSpPr txBox="1"/>
+          <p:nvPr/>
+        </p:nvSpPr>
+        <p:spPr>
+          <a:xfrm>
+            <a:off x="0" y="0"/>
+            <a:ext cx="6094520" cy="369332"/>
+          </a:xfrm>
+          <a:prstGeom prst="rect">
+            <a:avLst/>
+          </a:prstGeom>
+          <a:noFill/>
+        </p:spPr>
+        <p:txBody>
+          <a:bodyPr wrap="square">
+            <a:spAutoFit/>
+          </a:bodyPr>
+          <a:lstStyle/>
+          <a:p>
+            <a:pPr algn="l"/>
+            <a:r>
+              <a:rPr lang="en-US" altLang="zh-CN" b="0" i="0" u="none" strike="noStrike">
+                <a:solidFill>
+                  <a:srgbClr val="262626"/>
+                </a:solidFill>
+                <a:effectLst/>
+                <a:latin typeface="-apple-system"/>
+                <a:hlinkClick r:id="rId3"/>
+              </a:rPr>
+              <a:t>66. Plus One</a:t>
+            </a:r>
+            <a:endParaRPr lang="en-US" altLang="zh-CN" b="0" i="0">
+              <a:solidFill>
+                <a:srgbClr val="262626"/>
+              </a:solidFill>
+              <a:effectLst/>
+              <a:latin typeface="-apple-system"/>
+            </a:endParaRPr>
+          </a:p>
+        </p:txBody>
+      </p:sp>
+    </p:spTree>
+    <p:extLst>
+      <p:ext uri="{BB962C8B-B14F-4D97-AF65-F5344CB8AC3E}">
+        <p14:creationId xmlns:p14="http://schemas.microsoft.com/office/powerpoint/2010/main" val="2455240044"/>
+      </p:ext>
+    </p:extLst>
+  </p:cSld>
+  <p:clrMapOvr>
+    <a:masterClrMapping/>
+  </p:clrMapOvr>
+</p:sld>
+</file>
+
+<file path=ppt/slides/slide67.xml><?xml version="1.0" encoding="utf-8"?>
+<p:sld xmlns:a="http://schemas.openxmlformats.org/drawingml/2006/main" xmlns:r="http://schemas.openxmlformats.org/officeDocument/2006/relationships" xmlns:p="http://schemas.openxmlformats.org/presentationml/2006/main">
+  <p:cSld>
+    <p:spTree>
+      <p:nvGrpSpPr>
+        <p:cNvPr id="1" name=""/>
+        <p:cNvGrpSpPr/>
+        <p:nvPr/>
+      </p:nvGrpSpPr>
+      <p:grpSpPr>
+        <a:xfrm>
+          <a:off x="0" y="0"/>
+          <a:ext cx="0" cy="0"/>
+          <a:chOff x="0" y="0"/>
+          <a:chExt cx="0" cy="0"/>
+        </a:xfrm>
+      </p:grpSpPr>
+    </p:spTree>
+    <p:extLst>
+      <p:ext uri="{BB962C8B-B14F-4D97-AF65-F5344CB8AC3E}">
+        <p14:creationId xmlns:p14="http://schemas.microsoft.com/office/powerpoint/2010/main" val="3861421670"/>
+      </p:ext>
+    </p:extLst>
+  </p:cSld>
+  <p:clrMapOvr>
+    <a:masterClrMapping/>
+  </p:clrMapOvr>
+</p:sld>
+</file>
+
+<file path=ppt/slides/slide68.xml><?xml version="1.0" encoding="utf-8"?>
+<p:sld xmlns:a="http://schemas.openxmlformats.org/drawingml/2006/main" xmlns:r="http://schemas.openxmlformats.org/officeDocument/2006/relationships" xmlns:p="http://schemas.openxmlformats.org/presentationml/2006/main">
+  <p:cSld>
+    <p:spTree>
+      <p:nvGrpSpPr>
+        <p:cNvPr id="1" name=""/>
+        <p:cNvGrpSpPr/>
+        <p:nvPr/>
+      </p:nvGrpSpPr>
+      <p:grpSpPr>
+        <a:xfrm>
+          <a:off x="0" y="0"/>
+          <a:ext cx="0" cy="0"/>
+          <a:chOff x="0" y="0"/>
+          <a:chExt cx="0" cy="0"/>
+        </a:xfrm>
+      </p:grpSpPr>
+      <p:sp>
+        <p:nvSpPr>
+          <p:cNvPr id="4" name="文本框 3">
+            <a:extLst>
+              <a:ext uri="{FF2B5EF4-FFF2-40B4-BE49-F238E27FC236}">
+                <a16:creationId xmlns:a16="http://schemas.microsoft.com/office/drawing/2014/main" id="{A9B235C1-EB17-465F-AE71-C15B7E4208A2}"/>
+              </a:ext>
+            </a:extLst>
+          </p:cNvPr>
+          <p:cNvSpPr txBox="1"/>
+          <p:nvPr/>
+        </p:nvSpPr>
+        <p:spPr>
+          <a:xfrm>
+            <a:off x="153139" y="158750"/>
+            <a:ext cx="6094520" cy="369332"/>
+          </a:xfrm>
+          <a:prstGeom prst="rect">
+            <a:avLst/>
+          </a:prstGeom>
+          <a:noFill/>
+        </p:spPr>
+        <p:txBody>
+          <a:bodyPr wrap="square">
+            <a:spAutoFit/>
+          </a:bodyPr>
+          <a:lstStyle/>
+          <a:p>
+            <a:pPr algn="l"/>
+            <a:r>
+              <a:rPr lang="en-US" altLang="zh-CN" b="0" i="0" u="none" strike="noStrike" dirty="0">
+                <a:solidFill>
+                  <a:srgbClr val="262626"/>
+                </a:solidFill>
+                <a:effectLst/>
+                <a:latin typeface="-apple-system"/>
+                <a:hlinkClick r:id="rId2"/>
+              </a:rPr>
+              <a:t>347. Top K Frequent Elements</a:t>
+            </a:r>
+            <a:endParaRPr lang="en-US" altLang="zh-CN" b="0" i="0" dirty="0">
+              <a:solidFill>
+                <a:srgbClr val="262626"/>
+              </a:solidFill>
+              <a:effectLst/>
+              <a:latin typeface="-apple-system"/>
+            </a:endParaRPr>
+          </a:p>
+        </p:txBody>
+      </p:sp>
+      <p:sp>
+        <p:nvSpPr>
+          <p:cNvPr id="3" name="文本框 2">
+            <a:extLst>
+              <a:ext uri="{FF2B5EF4-FFF2-40B4-BE49-F238E27FC236}">
+                <a16:creationId xmlns:a16="http://schemas.microsoft.com/office/drawing/2014/main" id="{A2F82E98-8968-4A9F-9616-BD437815382E}"/>
+              </a:ext>
+            </a:extLst>
+          </p:cNvPr>
+          <p:cNvSpPr txBox="1"/>
+          <p:nvPr/>
+        </p:nvSpPr>
+        <p:spPr>
+          <a:xfrm>
+            <a:off x="153139" y="496625"/>
+            <a:ext cx="1584088" cy="369332"/>
+          </a:xfrm>
+          <a:prstGeom prst="rect">
+            <a:avLst/>
+          </a:prstGeom>
+          <a:noFill/>
+        </p:spPr>
+        <p:txBody>
+          <a:bodyPr wrap="none" rtlCol="0">
+            <a:spAutoFit/>
+          </a:bodyPr>
+          <a:lstStyle/>
+          <a:p>
+            <a:r>
+              <a:rPr lang="en-US" altLang="zh-CN" dirty="0" err="1"/>
+              <a:t>Priority_queue</a:t>
+            </a:r>
+            <a:endParaRPr lang="zh-CN" altLang="en-US" dirty="0"/>
+          </a:p>
+        </p:txBody>
+      </p:sp>
+      <p:sp>
+        <p:nvSpPr>
+          <p:cNvPr id="6" name="文本框 5">
+            <a:extLst>
+              <a:ext uri="{FF2B5EF4-FFF2-40B4-BE49-F238E27FC236}">
+                <a16:creationId xmlns:a16="http://schemas.microsoft.com/office/drawing/2014/main" id="{FDE6F0B6-43C5-4BCD-8926-F2D811162725}"/>
+              </a:ext>
+            </a:extLst>
+          </p:cNvPr>
+          <p:cNvSpPr txBox="1"/>
+          <p:nvPr/>
+        </p:nvSpPr>
+        <p:spPr>
+          <a:xfrm>
+            <a:off x="9689236" y="2056491"/>
+            <a:ext cx="817403" cy="369332"/>
+          </a:xfrm>
+          <a:prstGeom prst="rect">
+            <a:avLst/>
+          </a:prstGeom>
+          <a:noFill/>
+        </p:spPr>
+        <p:txBody>
+          <a:bodyPr wrap="none" rtlCol="0">
+            <a:spAutoFit/>
+          </a:bodyPr>
+          <a:lstStyle/>
+          <a:p>
+            <a:r>
+              <a:rPr lang="en-US" altLang="zh-CN" dirty="0" err="1"/>
+              <a:t>RBtree</a:t>
+            </a:r>
+            <a:endParaRPr lang="zh-CN" altLang="en-US" dirty="0"/>
+          </a:p>
+        </p:txBody>
+      </p:sp>
+      <p:pic>
+        <p:nvPicPr>
+          <p:cNvPr id="7" name="图片 6">
+            <a:extLst>
+              <a:ext uri="{FF2B5EF4-FFF2-40B4-BE49-F238E27FC236}">
+                <a16:creationId xmlns:a16="http://schemas.microsoft.com/office/drawing/2014/main" id="{CB5B7BFF-24F3-4748-BC69-D144C03F41D0}"/>
+              </a:ext>
+            </a:extLst>
+          </p:cNvPr>
+          <p:cNvPicPr>
+            <a:picLocks noChangeAspect="1"/>
+          </p:cNvPicPr>
+          <p:nvPr/>
+        </p:nvPicPr>
+        <p:blipFill>
+          <a:blip r:embed="rId3"/>
+          <a:stretch>
+            <a:fillRect/>
+          </a:stretch>
+        </p:blipFill>
+        <p:spPr>
+          <a:xfrm>
+            <a:off x="62144" y="897414"/>
+            <a:ext cx="7837748" cy="4204625"/>
+          </a:xfrm>
+          <a:prstGeom prst="rect">
+            <a:avLst/>
+          </a:prstGeom>
+        </p:spPr>
+      </p:pic>
+      <p:pic>
+        <p:nvPicPr>
+          <p:cNvPr id="8" name="图片 7">
+            <a:extLst>
+              <a:ext uri="{FF2B5EF4-FFF2-40B4-BE49-F238E27FC236}">
+                <a16:creationId xmlns:a16="http://schemas.microsoft.com/office/drawing/2014/main" id="{07E7B449-B5E9-4D95-95F9-CC14315BC9C9}"/>
+              </a:ext>
+            </a:extLst>
+          </p:cNvPr>
+          <p:cNvPicPr>
+            <a:picLocks noChangeAspect="1"/>
+          </p:cNvPicPr>
+          <p:nvPr/>
+        </p:nvPicPr>
+        <p:blipFill>
+          <a:blip r:embed="rId4"/>
+          <a:stretch>
+            <a:fillRect/>
+          </a:stretch>
+        </p:blipFill>
+        <p:spPr>
+          <a:xfrm>
+            <a:off x="4292108" y="2523477"/>
+            <a:ext cx="7837748" cy="4204625"/>
+          </a:xfrm>
+          <a:prstGeom prst="rect">
+            <a:avLst/>
+          </a:prstGeom>
+        </p:spPr>
+      </p:pic>
+    </p:spTree>
+    <p:extLst>
+      <p:ext uri="{BB962C8B-B14F-4D97-AF65-F5344CB8AC3E}">
+        <p14:creationId xmlns:p14="http://schemas.microsoft.com/office/powerpoint/2010/main" val="751397051"/>
       </p:ext>
     </p:extLst>
   </p:cSld>

--- a/details.pptx
+++ b/details.pptx
@@ -308,7 +308,7 @@
           <a:p>
             <a:fld id="{D997B5FA-0921-464F-AAE1-844C04324D75}" type="datetimeFigureOut">
               <a:rPr lang="zh-CN" altLang="en-US" smtClean="0"/>
-              <a:t>2021/4/19</a:t>
+              <a:t>2021/4/26</a:t>
             </a:fld>
             <a:endParaRPr lang="zh-CN" altLang="en-US"/>
           </a:p>
@@ -476,7 +476,7 @@
           <a:p>
             <a:fld id="{D997B5FA-0921-464F-AAE1-844C04324D75}" type="datetimeFigureOut">
               <a:rPr lang="zh-CN" altLang="en-US" smtClean="0"/>
-              <a:t>2021/4/19</a:t>
+              <a:t>2021/4/26</a:t>
             </a:fld>
             <a:endParaRPr lang="zh-CN" altLang="en-US"/>
           </a:p>
@@ -654,7 +654,7 @@
           <a:p>
             <a:fld id="{D997B5FA-0921-464F-AAE1-844C04324D75}" type="datetimeFigureOut">
               <a:rPr lang="zh-CN" altLang="en-US" smtClean="0"/>
-              <a:t>2021/4/19</a:t>
+              <a:t>2021/4/26</a:t>
             </a:fld>
             <a:endParaRPr lang="zh-CN" altLang="en-US"/>
           </a:p>
@@ -822,7 +822,7 @@
           <a:p>
             <a:fld id="{D997B5FA-0921-464F-AAE1-844C04324D75}" type="datetimeFigureOut">
               <a:rPr lang="zh-CN" altLang="en-US" smtClean="0"/>
-              <a:t>2021/4/19</a:t>
+              <a:t>2021/4/26</a:t>
             </a:fld>
             <a:endParaRPr lang="zh-CN" altLang="en-US"/>
           </a:p>
@@ -1067,7 +1067,7 @@
           <a:p>
             <a:fld id="{D997B5FA-0921-464F-AAE1-844C04324D75}" type="datetimeFigureOut">
               <a:rPr lang="zh-CN" altLang="en-US" smtClean="0"/>
-              <a:t>2021/4/19</a:t>
+              <a:t>2021/4/26</a:t>
             </a:fld>
             <a:endParaRPr lang="zh-CN" altLang="en-US"/>
           </a:p>
@@ -1296,7 +1296,7 @@
           <a:p>
             <a:fld id="{D997B5FA-0921-464F-AAE1-844C04324D75}" type="datetimeFigureOut">
               <a:rPr lang="zh-CN" altLang="en-US" smtClean="0"/>
-              <a:t>2021/4/19</a:t>
+              <a:t>2021/4/26</a:t>
             </a:fld>
             <a:endParaRPr lang="zh-CN" altLang="en-US"/>
           </a:p>
@@ -1660,7 +1660,7 @@
           <a:p>
             <a:fld id="{D997B5FA-0921-464F-AAE1-844C04324D75}" type="datetimeFigureOut">
               <a:rPr lang="zh-CN" altLang="en-US" smtClean="0"/>
-              <a:t>2021/4/19</a:t>
+              <a:t>2021/4/26</a:t>
             </a:fld>
             <a:endParaRPr lang="zh-CN" altLang="en-US"/>
           </a:p>
@@ -1777,7 +1777,7 @@
           <a:p>
             <a:fld id="{D997B5FA-0921-464F-AAE1-844C04324D75}" type="datetimeFigureOut">
               <a:rPr lang="zh-CN" altLang="en-US" smtClean="0"/>
-              <a:t>2021/4/19</a:t>
+              <a:t>2021/4/26</a:t>
             </a:fld>
             <a:endParaRPr lang="zh-CN" altLang="en-US"/>
           </a:p>
@@ -1872,7 +1872,7 @@
           <a:p>
             <a:fld id="{D997B5FA-0921-464F-AAE1-844C04324D75}" type="datetimeFigureOut">
               <a:rPr lang="zh-CN" altLang="en-US" smtClean="0"/>
-              <a:t>2021/4/19</a:t>
+              <a:t>2021/4/26</a:t>
             </a:fld>
             <a:endParaRPr lang="zh-CN" altLang="en-US"/>
           </a:p>
@@ -2147,7 +2147,7 @@
           <a:p>
             <a:fld id="{D997B5FA-0921-464F-AAE1-844C04324D75}" type="datetimeFigureOut">
               <a:rPr lang="zh-CN" altLang="en-US" smtClean="0"/>
-              <a:t>2021/4/19</a:t>
+              <a:t>2021/4/26</a:t>
             </a:fld>
             <a:endParaRPr lang="zh-CN" altLang="en-US"/>
           </a:p>
@@ -2399,7 +2399,7 @@
           <a:p>
             <a:fld id="{D997B5FA-0921-464F-AAE1-844C04324D75}" type="datetimeFigureOut">
               <a:rPr lang="zh-CN" altLang="en-US" smtClean="0"/>
-              <a:t>2021/4/19</a:t>
+              <a:t>2021/4/26</a:t>
             </a:fld>
             <a:endParaRPr lang="zh-CN" altLang="en-US"/>
           </a:p>
@@ -2610,7 +2610,7 @@
           <a:p>
             <a:fld id="{D997B5FA-0921-464F-AAE1-844C04324D75}" type="datetimeFigureOut">
               <a:rPr lang="zh-CN" altLang="en-US" smtClean="0"/>
-              <a:t>2021/4/19</a:t>
+              <a:t>2021/4/26</a:t>
             </a:fld>
             <a:endParaRPr lang="zh-CN" altLang="en-US"/>
           </a:p>
@@ -5123,6 +5123,86 @@
           <a:chExt cx="0" cy="0"/>
         </a:xfrm>
       </p:grpSpPr>
+      <p:pic>
+        <p:nvPicPr>
+          <p:cNvPr id="2" name="图片 1">
+            <a:extLst>
+              <a:ext uri="{FF2B5EF4-FFF2-40B4-BE49-F238E27FC236}">
+                <a16:creationId xmlns:a16="http://schemas.microsoft.com/office/drawing/2014/main" id="{5918E1B5-DB12-4ED8-A77E-B9E427A0D738}"/>
+              </a:ext>
+            </a:extLst>
+          </p:cNvPr>
+          <p:cNvPicPr>
+            <a:picLocks noChangeAspect="1"/>
+          </p:cNvPicPr>
+          <p:nvPr/>
+        </p:nvPicPr>
+        <p:blipFill>
+          <a:blip r:embed="rId2"/>
+          <a:stretch>
+            <a:fillRect/>
+          </a:stretch>
+        </p:blipFill>
+        <p:spPr>
+          <a:xfrm>
+            <a:off x="772356" y="573086"/>
+            <a:ext cx="11419643" cy="6126163"/>
+          </a:xfrm>
+          <a:prstGeom prst="rect">
+            <a:avLst/>
+          </a:prstGeom>
+        </p:spPr>
+      </p:pic>
+      <p:sp>
+        <p:nvSpPr>
+          <p:cNvPr id="4" name="文本框 3">
+            <a:extLst>
+              <a:ext uri="{FF2B5EF4-FFF2-40B4-BE49-F238E27FC236}">
+                <a16:creationId xmlns:a16="http://schemas.microsoft.com/office/drawing/2014/main" id="{7796D4C4-A370-4DE5-B77B-88F1FF1472D0}"/>
+              </a:ext>
+            </a:extLst>
+          </p:cNvPr>
+          <p:cNvSpPr txBox="1"/>
+          <p:nvPr/>
+        </p:nvSpPr>
+        <p:spPr>
+          <a:xfrm>
+            <a:off x="82118" y="158751"/>
+            <a:ext cx="6094520" cy="369332"/>
+          </a:xfrm>
+          <a:prstGeom prst="rect">
+            <a:avLst/>
+          </a:prstGeom>
+          <a:noFill/>
+        </p:spPr>
+        <p:txBody>
+          <a:bodyPr wrap="square">
+            <a:spAutoFit/>
+          </a:bodyPr>
+          <a:lstStyle/>
+          <a:p>
+            <a:pPr algn="l"/>
+            <a:r>
+              <a:rPr lang="en-US" altLang="zh-CN" b="0" i="0" u="none" strike="noStrike">
+                <a:solidFill>
+                  <a:srgbClr val="262626"/>
+                </a:solidFill>
+                <a:effectLst/>
+                <a:latin typeface="-apple-system"/>
+                <a:hlinkClick r:id="rId3"/>
+              </a:rPr>
+              <a:t>33. Search in Rotated Sorted Array</a:t>
+            </a:r>
+            <a:endParaRPr lang="en-US" altLang="zh-CN" b="0" i="0">
+              <a:solidFill>
+                <a:srgbClr val="262626"/>
+              </a:solidFill>
+              <a:effectLst/>
+              <a:latin typeface="-apple-system"/>
+            </a:endParaRPr>
+          </a:p>
+        </p:txBody>
+      </p:sp>
     </p:spTree>
     <p:extLst>
       <p:ext uri="{BB962C8B-B14F-4D97-AF65-F5344CB8AC3E}">
@@ -6085,6 +6165,86 @@
           <a:chExt cx="0" cy="0"/>
         </a:xfrm>
       </p:grpSpPr>
+      <p:pic>
+        <p:nvPicPr>
+          <p:cNvPr id="2" name="图片 1">
+            <a:extLst>
+              <a:ext uri="{FF2B5EF4-FFF2-40B4-BE49-F238E27FC236}">
+                <a16:creationId xmlns:a16="http://schemas.microsoft.com/office/drawing/2014/main" id="{809A6C0D-252C-4242-9389-67569215C0F4}"/>
+              </a:ext>
+            </a:extLst>
+          </p:cNvPr>
+          <p:cNvPicPr>
+            <a:picLocks noChangeAspect="1"/>
+          </p:cNvPicPr>
+          <p:nvPr/>
+        </p:nvPicPr>
+        <p:blipFill>
+          <a:blip r:embed="rId2"/>
+          <a:stretch>
+            <a:fillRect/>
+          </a:stretch>
+        </p:blipFill>
+        <p:spPr>
+          <a:xfrm>
+            <a:off x="790112" y="582612"/>
+            <a:ext cx="11401887" cy="6116637"/>
+          </a:xfrm>
+          <a:prstGeom prst="rect">
+            <a:avLst/>
+          </a:prstGeom>
+        </p:spPr>
+      </p:pic>
+      <p:sp>
+        <p:nvSpPr>
+          <p:cNvPr id="5" name="文本框 4">
+            <a:extLst>
+              <a:ext uri="{FF2B5EF4-FFF2-40B4-BE49-F238E27FC236}">
+                <a16:creationId xmlns:a16="http://schemas.microsoft.com/office/drawing/2014/main" id="{19A7CCDD-4BA1-4CD7-B55D-B2BCB3E23B43}"/>
+              </a:ext>
+            </a:extLst>
+          </p:cNvPr>
+          <p:cNvSpPr txBox="1"/>
+          <p:nvPr/>
+        </p:nvSpPr>
+        <p:spPr>
+          <a:xfrm>
+            <a:off x="99874" y="158751"/>
+            <a:ext cx="6094520" cy="369332"/>
+          </a:xfrm>
+          <a:prstGeom prst="rect">
+            <a:avLst/>
+          </a:prstGeom>
+          <a:noFill/>
+        </p:spPr>
+        <p:txBody>
+          <a:bodyPr wrap="square">
+            <a:spAutoFit/>
+          </a:bodyPr>
+          <a:lstStyle/>
+          <a:p>
+            <a:pPr algn="l"/>
+            <a:r>
+              <a:rPr lang="en-US" altLang="zh-CN" b="0" i="0" u="none" strike="noStrike">
+                <a:solidFill>
+                  <a:srgbClr val="262626"/>
+                </a:solidFill>
+                <a:effectLst/>
+                <a:latin typeface="-apple-system"/>
+                <a:hlinkClick r:id="rId3"/>
+              </a:rPr>
+              <a:t>50. Pow(x, n)</a:t>
+            </a:r>
+            <a:endParaRPr lang="en-US" altLang="zh-CN" b="0" i="0">
+              <a:solidFill>
+                <a:srgbClr val="262626"/>
+              </a:solidFill>
+              <a:effectLst/>
+              <a:latin typeface="-apple-system"/>
+            </a:endParaRPr>
+          </a:p>
+        </p:txBody>
+      </p:sp>
     </p:spTree>
     <p:extLst>
       <p:ext uri="{BB962C8B-B14F-4D97-AF65-F5344CB8AC3E}">
@@ -6235,6 +6395,86 @@
           <a:chExt cx="0" cy="0"/>
         </a:xfrm>
       </p:grpSpPr>
+      <p:pic>
+        <p:nvPicPr>
+          <p:cNvPr id="2" name="图片 1">
+            <a:extLst>
+              <a:ext uri="{FF2B5EF4-FFF2-40B4-BE49-F238E27FC236}">
+                <a16:creationId xmlns:a16="http://schemas.microsoft.com/office/drawing/2014/main" id="{3F36EA4B-8AAC-417B-8041-E154432ED72B}"/>
+              </a:ext>
+            </a:extLst>
+          </p:cNvPr>
+          <p:cNvPicPr>
+            <a:picLocks noChangeAspect="1"/>
+          </p:cNvPicPr>
+          <p:nvPr/>
+        </p:nvPicPr>
+        <p:blipFill>
+          <a:blip r:embed="rId2"/>
+          <a:stretch>
+            <a:fillRect/>
+          </a:stretch>
+        </p:blipFill>
+        <p:spPr>
+          <a:xfrm>
+            <a:off x="506026" y="430212"/>
+            <a:ext cx="11685973" cy="6269038"/>
+          </a:xfrm>
+          <a:prstGeom prst="rect">
+            <a:avLst/>
+          </a:prstGeom>
+        </p:spPr>
+      </p:pic>
+      <p:sp>
+        <p:nvSpPr>
+          <p:cNvPr id="4" name="文本框 3">
+            <a:extLst>
+              <a:ext uri="{FF2B5EF4-FFF2-40B4-BE49-F238E27FC236}">
+                <a16:creationId xmlns:a16="http://schemas.microsoft.com/office/drawing/2014/main" id="{B4BC26A1-02AD-465D-B6C3-E5AB332BC930}"/>
+              </a:ext>
+            </a:extLst>
+          </p:cNvPr>
+          <p:cNvSpPr txBox="1"/>
+          <p:nvPr/>
+        </p:nvSpPr>
+        <p:spPr>
+          <a:xfrm>
+            <a:off x="1480" y="60880"/>
+            <a:ext cx="6094520" cy="369332"/>
+          </a:xfrm>
+          <a:prstGeom prst="rect">
+            <a:avLst/>
+          </a:prstGeom>
+          <a:noFill/>
+        </p:spPr>
+        <p:txBody>
+          <a:bodyPr wrap="square">
+            <a:spAutoFit/>
+          </a:bodyPr>
+          <a:lstStyle/>
+          <a:p>
+            <a:pPr algn="l"/>
+            <a:r>
+              <a:rPr lang="en-US" altLang="zh-CN" b="0" i="0" u="none" strike="noStrike">
+                <a:solidFill>
+                  <a:srgbClr val="262626"/>
+                </a:solidFill>
+                <a:effectLst/>
+                <a:latin typeface="-apple-system"/>
+                <a:hlinkClick r:id="rId3"/>
+              </a:rPr>
+              <a:t>55. Jump Game</a:t>
+            </a:r>
+            <a:endParaRPr lang="en-US" altLang="zh-CN" b="0" i="0">
+              <a:solidFill>
+                <a:srgbClr val="262626"/>
+              </a:solidFill>
+              <a:effectLst/>
+              <a:latin typeface="-apple-system"/>
+            </a:endParaRPr>
+          </a:p>
+        </p:txBody>
+      </p:sp>
     </p:spTree>
     <p:extLst>
       <p:ext uri="{BB962C8B-B14F-4D97-AF65-F5344CB8AC3E}">
